--- a/kojak_presentation.pptx
+++ b/kojak_presentation.pptx
@@ -4,15 +4,16 @@
   <p:sldMasterIdLst>
     <p:sldMasterId id="2147483960" r:id="rId1"/>
   </p:sldMasterIdLst>
+  <p:notesMasterIdLst>
+    <p:notesMasterId r:id="rId8"/>
+  </p:notesMasterIdLst>
   <p:sldIdLst>
     <p:sldId id="256" r:id="rId2"/>
     <p:sldId id="260" r:id="rId3"/>
     <p:sldId id="261" r:id="rId4"/>
-    <p:sldId id="262" r:id="rId5"/>
-    <p:sldId id="257" r:id="rId6"/>
-    <p:sldId id="258" r:id="rId7"/>
-    <p:sldId id="259" r:id="rId8"/>
-    <p:sldId id="263" r:id="rId9"/>
+    <p:sldId id="257" r:id="rId5"/>
+    <p:sldId id="258" r:id="rId6"/>
+    <p:sldId id="263" r:id="rId7"/>
   </p:sldIdLst>
   <p:sldSz cx="9144000" cy="6858000" type="screen4x3"/>
   <p:notesSz cx="6858000" cy="9144000"/>
@@ -114,6 +115,1016 @@
 </p:presentation>
 </file>
 
+<file path=ppt/notesMasters/notesMaster1.xml><?xml version="1.0" encoding="utf-8"?>
+<p:notesMaster xmlns:a="http://schemas.openxmlformats.org/drawingml/2006/main" xmlns:r="http://schemas.openxmlformats.org/officeDocument/2006/relationships" xmlns:p="http://schemas.openxmlformats.org/presentationml/2006/main">
+  <p:cSld>
+    <p:bg>
+      <p:bgRef idx="1001">
+        <a:schemeClr val="bg1"/>
+      </p:bgRef>
+    </p:bg>
+    <p:spTree>
+      <p:nvGrpSpPr>
+        <p:cNvPr id="1" name=""/>
+        <p:cNvGrpSpPr/>
+        <p:nvPr/>
+      </p:nvGrpSpPr>
+      <p:grpSpPr>
+        <a:xfrm>
+          <a:off x="0" y="0"/>
+          <a:ext cx="0" cy="0"/>
+          <a:chOff x="0" y="0"/>
+          <a:chExt cx="0" cy="0"/>
+        </a:xfrm>
+      </p:grpSpPr>
+      <p:sp>
+        <p:nvSpPr>
+          <p:cNvPr id="2" name="Header Placeholder 1"/>
+          <p:cNvSpPr>
+            <a:spLocks noGrp="1"/>
+          </p:cNvSpPr>
+          <p:nvPr>
+            <p:ph type="hdr" sz="quarter"/>
+          </p:nvPr>
+        </p:nvSpPr>
+        <p:spPr>
+          <a:xfrm>
+            <a:off x="0" y="0"/>
+            <a:ext cx="2971800" cy="457200"/>
+          </a:xfrm>
+          <a:prstGeom prst="rect">
+            <a:avLst/>
+          </a:prstGeom>
+        </p:spPr>
+        <p:txBody>
+          <a:bodyPr vert="horz" lIns="91440" tIns="45720" rIns="91440" bIns="45720" rtlCol="0"/>
+          <a:lstStyle>
+            <a:lvl1pPr algn="l">
+              <a:defRPr sz="1200"/>
+            </a:lvl1pPr>
+          </a:lstStyle>
+          <a:p>
+            <a:endParaRPr lang="en-US"/>
+          </a:p>
+        </p:txBody>
+      </p:sp>
+      <p:sp>
+        <p:nvSpPr>
+          <p:cNvPr id="3" name="Date Placeholder 2"/>
+          <p:cNvSpPr>
+            <a:spLocks noGrp="1"/>
+          </p:cNvSpPr>
+          <p:nvPr>
+            <p:ph type="dt" idx="1"/>
+          </p:nvPr>
+        </p:nvSpPr>
+        <p:spPr>
+          <a:xfrm>
+            <a:off x="3884613" y="0"/>
+            <a:ext cx="2971800" cy="457200"/>
+          </a:xfrm>
+          <a:prstGeom prst="rect">
+            <a:avLst/>
+          </a:prstGeom>
+        </p:spPr>
+        <p:txBody>
+          <a:bodyPr vert="horz" lIns="91440" tIns="45720" rIns="91440" bIns="45720" rtlCol="0"/>
+          <a:lstStyle>
+            <a:lvl1pPr algn="r">
+              <a:defRPr sz="1200"/>
+            </a:lvl1pPr>
+          </a:lstStyle>
+          <a:p>
+            <a:fld id="{E0AAC41B-490B-1945-8228-569CEE1E4119}" type="datetimeFigureOut">
+              <a:rPr lang="en-US" smtClean="0"/>
+              <a:t>6/22/15</a:t>
+            </a:fld>
+            <a:endParaRPr lang="en-US"/>
+          </a:p>
+        </p:txBody>
+      </p:sp>
+      <p:sp>
+        <p:nvSpPr>
+          <p:cNvPr id="4" name="Slide Image Placeholder 3"/>
+          <p:cNvSpPr>
+            <a:spLocks noGrp="1" noRot="1" noChangeAspect="1"/>
+          </p:cNvSpPr>
+          <p:nvPr>
+            <p:ph type="sldImg" idx="2"/>
+          </p:nvPr>
+        </p:nvSpPr>
+        <p:spPr>
+          <a:xfrm>
+            <a:off x="1143000" y="685800"/>
+            <a:ext cx="4572000" cy="3429000"/>
+          </a:xfrm>
+          <a:prstGeom prst="rect">
+            <a:avLst/>
+          </a:prstGeom>
+          <a:noFill/>
+          <a:ln w="12700">
+            <a:solidFill>
+              <a:prstClr val="black"/>
+            </a:solidFill>
+          </a:ln>
+        </p:spPr>
+        <p:txBody>
+          <a:bodyPr vert="horz" lIns="91440" tIns="45720" rIns="91440" bIns="45720" rtlCol="0" anchor="ctr"/>
+          <a:lstStyle/>
+          <a:p>
+            <a:endParaRPr lang="en-US"/>
+          </a:p>
+        </p:txBody>
+      </p:sp>
+      <p:sp>
+        <p:nvSpPr>
+          <p:cNvPr id="5" name="Notes Placeholder 4"/>
+          <p:cNvSpPr>
+            <a:spLocks noGrp="1"/>
+          </p:cNvSpPr>
+          <p:nvPr>
+            <p:ph type="body" sz="quarter" idx="3"/>
+          </p:nvPr>
+        </p:nvSpPr>
+        <p:spPr>
+          <a:xfrm>
+            <a:off x="685800" y="4343400"/>
+            <a:ext cx="5486400" cy="4114800"/>
+          </a:xfrm>
+          <a:prstGeom prst="rect">
+            <a:avLst/>
+          </a:prstGeom>
+        </p:spPr>
+        <p:txBody>
+          <a:bodyPr vert="horz" lIns="91440" tIns="45720" rIns="91440" bIns="45720" rtlCol="0"/>
+          <a:lstStyle/>
+          <a:p>
+            <a:pPr lvl="0"/>
+            <a:r>
+              <a:rPr lang="en-US" smtClean="0"/>
+              <a:t>Click to edit Master text styles</a:t>
+            </a:r>
+          </a:p>
+          <a:p>
+            <a:pPr lvl="1"/>
+            <a:r>
+              <a:rPr lang="en-US" smtClean="0"/>
+              <a:t>Second level</a:t>
+            </a:r>
+          </a:p>
+          <a:p>
+            <a:pPr lvl="2"/>
+            <a:r>
+              <a:rPr lang="en-US" smtClean="0"/>
+              <a:t>Third level</a:t>
+            </a:r>
+          </a:p>
+          <a:p>
+            <a:pPr lvl="3"/>
+            <a:r>
+              <a:rPr lang="en-US" smtClean="0"/>
+              <a:t>Fourth level</a:t>
+            </a:r>
+          </a:p>
+          <a:p>
+            <a:pPr lvl="4"/>
+            <a:r>
+              <a:rPr lang="en-US" smtClean="0"/>
+              <a:t>Fifth level</a:t>
+            </a:r>
+            <a:endParaRPr lang="en-US"/>
+          </a:p>
+        </p:txBody>
+      </p:sp>
+      <p:sp>
+        <p:nvSpPr>
+          <p:cNvPr id="6" name="Footer Placeholder 5"/>
+          <p:cNvSpPr>
+            <a:spLocks noGrp="1"/>
+          </p:cNvSpPr>
+          <p:nvPr>
+            <p:ph type="ftr" sz="quarter" idx="4"/>
+          </p:nvPr>
+        </p:nvSpPr>
+        <p:spPr>
+          <a:xfrm>
+            <a:off x="0" y="8685213"/>
+            <a:ext cx="2971800" cy="457200"/>
+          </a:xfrm>
+          <a:prstGeom prst="rect">
+            <a:avLst/>
+          </a:prstGeom>
+        </p:spPr>
+        <p:txBody>
+          <a:bodyPr vert="horz" lIns="91440" tIns="45720" rIns="91440" bIns="45720" rtlCol="0" anchor="b"/>
+          <a:lstStyle>
+            <a:lvl1pPr algn="l">
+              <a:defRPr sz="1200"/>
+            </a:lvl1pPr>
+          </a:lstStyle>
+          <a:p>
+            <a:endParaRPr lang="en-US"/>
+          </a:p>
+        </p:txBody>
+      </p:sp>
+      <p:sp>
+        <p:nvSpPr>
+          <p:cNvPr id="7" name="Slide Number Placeholder 6"/>
+          <p:cNvSpPr>
+            <a:spLocks noGrp="1"/>
+          </p:cNvSpPr>
+          <p:nvPr>
+            <p:ph type="sldNum" sz="quarter" idx="5"/>
+          </p:nvPr>
+        </p:nvSpPr>
+        <p:spPr>
+          <a:xfrm>
+            <a:off x="3884613" y="8685213"/>
+            <a:ext cx="2971800" cy="457200"/>
+          </a:xfrm>
+          <a:prstGeom prst="rect">
+            <a:avLst/>
+          </a:prstGeom>
+        </p:spPr>
+        <p:txBody>
+          <a:bodyPr vert="horz" lIns="91440" tIns="45720" rIns="91440" bIns="45720" rtlCol="0" anchor="b"/>
+          <a:lstStyle>
+            <a:lvl1pPr algn="r">
+              <a:defRPr sz="1200"/>
+            </a:lvl1pPr>
+          </a:lstStyle>
+          <a:p>
+            <a:fld id="{94F86F42-ED3A-0C4F-B9E7-D06D2A3787CF}" type="slidenum">
+              <a:rPr lang="en-US" smtClean="0"/>
+              <a:t>‹#›</a:t>
+            </a:fld>
+            <a:endParaRPr lang="en-US"/>
+          </a:p>
+        </p:txBody>
+      </p:sp>
+    </p:spTree>
+    <p:extLst>
+      <p:ext uri="{BB962C8B-B14F-4D97-AF65-F5344CB8AC3E}">
+        <p14:creationId xmlns:p14="http://schemas.microsoft.com/office/powerpoint/2010/main" val="842160376"/>
+      </p:ext>
+    </p:extLst>
+  </p:cSld>
+  <p:clrMap bg1="lt1" tx1="dk1" bg2="lt2" tx2="dk2" accent1="accent1" accent2="accent2" accent3="accent3" accent4="accent4" accent5="accent5" accent6="accent6" hlink="hlink" folHlink="folHlink"/>
+  <p:notesStyle>
+    <a:lvl1pPr marL="0" algn="l" defTabSz="457200" rtl="0" eaLnBrk="1" latinLnBrk="0" hangingPunct="1">
+      <a:defRPr sz="1200" kern="1200">
+        <a:solidFill>
+          <a:schemeClr val="tx1"/>
+        </a:solidFill>
+        <a:latin typeface="+mn-lt"/>
+        <a:ea typeface="+mn-ea"/>
+        <a:cs typeface="+mn-cs"/>
+      </a:defRPr>
+    </a:lvl1pPr>
+    <a:lvl2pPr marL="457200" algn="l" defTabSz="457200" rtl="0" eaLnBrk="1" latinLnBrk="0" hangingPunct="1">
+      <a:defRPr sz="1200" kern="1200">
+        <a:solidFill>
+          <a:schemeClr val="tx1"/>
+        </a:solidFill>
+        <a:latin typeface="+mn-lt"/>
+        <a:ea typeface="+mn-ea"/>
+        <a:cs typeface="+mn-cs"/>
+      </a:defRPr>
+    </a:lvl2pPr>
+    <a:lvl3pPr marL="914400" algn="l" defTabSz="457200" rtl="0" eaLnBrk="1" latinLnBrk="0" hangingPunct="1">
+      <a:defRPr sz="1200" kern="1200">
+        <a:solidFill>
+          <a:schemeClr val="tx1"/>
+        </a:solidFill>
+        <a:latin typeface="+mn-lt"/>
+        <a:ea typeface="+mn-ea"/>
+        <a:cs typeface="+mn-cs"/>
+      </a:defRPr>
+    </a:lvl3pPr>
+    <a:lvl4pPr marL="1371600" algn="l" defTabSz="457200" rtl="0" eaLnBrk="1" latinLnBrk="0" hangingPunct="1">
+      <a:defRPr sz="1200" kern="1200">
+        <a:solidFill>
+          <a:schemeClr val="tx1"/>
+        </a:solidFill>
+        <a:latin typeface="+mn-lt"/>
+        <a:ea typeface="+mn-ea"/>
+        <a:cs typeface="+mn-cs"/>
+      </a:defRPr>
+    </a:lvl4pPr>
+    <a:lvl5pPr marL="1828800" algn="l" defTabSz="457200" rtl="0" eaLnBrk="1" latinLnBrk="0" hangingPunct="1">
+      <a:defRPr sz="1200" kern="1200">
+        <a:solidFill>
+          <a:schemeClr val="tx1"/>
+        </a:solidFill>
+        <a:latin typeface="+mn-lt"/>
+        <a:ea typeface="+mn-ea"/>
+        <a:cs typeface="+mn-cs"/>
+      </a:defRPr>
+    </a:lvl5pPr>
+    <a:lvl6pPr marL="2286000" algn="l" defTabSz="457200" rtl="0" eaLnBrk="1" latinLnBrk="0" hangingPunct="1">
+      <a:defRPr sz="1200" kern="1200">
+        <a:solidFill>
+          <a:schemeClr val="tx1"/>
+        </a:solidFill>
+        <a:latin typeface="+mn-lt"/>
+        <a:ea typeface="+mn-ea"/>
+        <a:cs typeface="+mn-cs"/>
+      </a:defRPr>
+    </a:lvl6pPr>
+    <a:lvl7pPr marL="2743200" algn="l" defTabSz="457200" rtl="0" eaLnBrk="1" latinLnBrk="0" hangingPunct="1">
+      <a:defRPr sz="1200" kern="1200">
+        <a:solidFill>
+          <a:schemeClr val="tx1"/>
+        </a:solidFill>
+        <a:latin typeface="+mn-lt"/>
+        <a:ea typeface="+mn-ea"/>
+        <a:cs typeface="+mn-cs"/>
+      </a:defRPr>
+    </a:lvl7pPr>
+    <a:lvl8pPr marL="3200400" algn="l" defTabSz="457200" rtl="0" eaLnBrk="1" latinLnBrk="0" hangingPunct="1">
+      <a:defRPr sz="1200" kern="1200">
+        <a:solidFill>
+          <a:schemeClr val="tx1"/>
+        </a:solidFill>
+        <a:latin typeface="+mn-lt"/>
+        <a:ea typeface="+mn-ea"/>
+        <a:cs typeface="+mn-cs"/>
+      </a:defRPr>
+    </a:lvl8pPr>
+    <a:lvl9pPr marL="3657600" algn="l" defTabSz="457200" rtl="0" eaLnBrk="1" latinLnBrk="0" hangingPunct="1">
+      <a:defRPr sz="1200" kern="1200">
+        <a:solidFill>
+          <a:schemeClr val="tx1"/>
+        </a:solidFill>
+        <a:latin typeface="+mn-lt"/>
+        <a:ea typeface="+mn-ea"/>
+        <a:cs typeface="+mn-cs"/>
+      </a:defRPr>
+    </a:lvl9pPr>
+  </p:notesStyle>
+</p:notesMaster>
+</file>
+
+<file path=ppt/notesSlides/notesSlide1.xml><?xml version="1.0" encoding="utf-8"?>
+<p:notes xmlns:a="http://schemas.openxmlformats.org/drawingml/2006/main" xmlns:r="http://schemas.openxmlformats.org/officeDocument/2006/relationships" xmlns:p="http://schemas.openxmlformats.org/presentationml/2006/main">
+  <p:cSld>
+    <p:spTree>
+      <p:nvGrpSpPr>
+        <p:cNvPr id="1" name=""/>
+        <p:cNvGrpSpPr/>
+        <p:nvPr/>
+      </p:nvGrpSpPr>
+      <p:grpSpPr>
+        <a:xfrm>
+          <a:off x="0" y="0"/>
+          <a:ext cx="0" cy="0"/>
+          <a:chOff x="0" y="0"/>
+          <a:chExt cx="0" cy="0"/>
+        </a:xfrm>
+      </p:grpSpPr>
+      <p:sp>
+        <p:nvSpPr>
+          <p:cNvPr id="2" name="Slide Image Placeholder 1"/>
+          <p:cNvSpPr>
+            <a:spLocks noGrp="1" noRot="1" noChangeAspect="1"/>
+          </p:cNvSpPr>
+          <p:nvPr>
+            <p:ph type="sldImg"/>
+          </p:nvPr>
+        </p:nvSpPr>
+        <p:spPr/>
+      </p:sp>
+      <p:sp>
+        <p:nvSpPr>
+          <p:cNvPr id="3" name="Notes Placeholder 2"/>
+          <p:cNvSpPr>
+            <a:spLocks noGrp="1"/>
+          </p:cNvSpPr>
+          <p:nvPr>
+            <p:ph type="body" idx="1"/>
+          </p:nvPr>
+        </p:nvSpPr>
+        <p:spPr/>
+        <p:txBody>
+          <a:bodyPr/>
+          <a:lstStyle/>
+          <a:p>
+            <a:r>
+              <a:rPr lang="en-US" dirty="0" smtClean="0"/>
+              <a:t>Good evening ladies and gentlemen…my name is Joe </a:t>
+            </a:r>
+            <a:r>
+              <a:rPr lang="en-US" dirty="0" err="1" smtClean="0"/>
+              <a:t>Dziados</a:t>
+            </a:r>
+            <a:r>
+              <a:rPr lang="en-US" dirty="0" smtClean="0"/>
+              <a:t> and tonight I am excited</a:t>
+            </a:r>
+            <a:r>
+              <a:rPr lang="en-US" baseline="0" dirty="0" smtClean="0"/>
+              <a:t> to talk to you about… </a:t>
+            </a:r>
+            <a:r>
+              <a:rPr lang="en-US" b="1" baseline="0" dirty="0" smtClean="0"/>
+              <a:t>FLAVOR FAVE</a:t>
+            </a:r>
+            <a:r>
+              <a:rPr lang="en-US" b="0" baseline="0" dirty="0" smtClean="0"/>
+              <a:t>; an interactive wine search tool that uses crowd-sourced customer reviews to find wines booming with flavors you want to taste.</a:t>
+            </a:r>
+            <a:endParaRPr lang="en-US" dirty="0"/>
+          </a:p>
+        </p:txBody>
+      </p:sp>
+      <p:sp>
+        <p:nvSpPr>
+          <p:cNvPr id="4" name="Slide Number Placeholder 3"/>
+          <p:cNvSpPr>
+            <a:spLocks noGrp="1"/>
+          </p:cNvSpPr>
+          <p:nvPr>
+            <p:ph type="sldNum" sz="quarter" idx="10"/>
+          </p:nvPr>
+        </p:nvSpPr>
+        <p:spPr/>
+        <p:txBody>
+          <a:bodyPr/>
+          <a:lstStyle/>
+          <a:p>
+            <a:fld id="{94F86F42-ED3A-0C4F-B9E7-D06D2A3787CF}" type="slidenum">
+              <a:rPr lang="en-US" smtClean="0"/>
+              <a:t>1</a:t>
+            </a:fld>
+            <a:endParaRPr lang="en-US"/>
+          </a:p>
+        </p:txBody>
+      </p:sp>
+    </p:spTree>
+    <p:extLst>
+      <p:ext uri="{BB962C8B-B14F-4D97-AF65-F5344CB8AC3E}">
+        <p14:creationId xmlns:p14="http://schemas.microsoft.com/office/powerpoint/2010/main" val="369336034"/>
+      </p:ext>
+    </p:extLst>
+  </p:cSld>
+  <p:clrMapOvr>
+    <a:masterClrMapping/>
+  </p:clrMapOvr>
+</p:notes>
+</file>
+
+<file path=ppt/notesSlides/notesSlide2.xml><?xml version="1.0" encoding="utf-8"?>
+<p:notes xmlns:a="http://schemas.openxmlformats.org/drawingml/2006/main" xmlns:r="http://schemas.openxmlformats.org/officeDocument/2006/relationships" xmlns:p="http://schemas.openxmlformats.org/presentationml/2006/main">
+  <p:cSld>
+    <p:spTree>
+      <p:nvGrpSpPr>
+        <p:cNvPr id="1" name=""/>
+        <p:cNvGrpSpPr/>
+        <p:nvPr/>
+      </p:nvGrpSpPr>
+      <p:grpSpPr>
+        <a:xfrm>
+          <a:off x="0" y="0"/>
+          <a:ext cx="0" cy="0"/>
+          <a:chOff x="0" y="0"/>
+          <a:chExt cx="0" cy="0"/>
+        </a:xfrm>
+      </p:grpSpPr>
+      <p:sp>
+        <p:nvSpPr>
+          <p:cNvPr id="2" name="Slide Image Placeholder 1"/>
+          <p:cNvSpPr>
+            <a:spLocks noGrp="1" noRot="1" noChangeAspect="1"/>
+          </p:cNvSpPr>
+          <p:nvPr>
+            <p:ph type="sldImg"/>
+          </p:nvPr>
+        </p:nvSpPr>
+        <p:spPr/>
+      </p:sp>
+      <p:sp>
+        <p:nvSpPr>
+          <p:cNvPr id="3" name="Notes Placeholder 2"/>
+          <p:cNvSpPr>
+            <a:spLocks noGrp="1"/>
+          </p:cNvSpPr>
+          <p:nvPr>
+            <p:ph type="body" idx="1"/>
+          </p:nvPr>
+        </p:nvSpPr>
+        <p:spPr/>
+        <p:txBody>
+          <a:bodyPr/>
+          <a:lstStyle/>
+          <a:p>
+            <a:r>
+              <a:rPr lang="en-US" dirty="0" smtClean="0"/>
+              <a:t>We</a:t>
+            </a:r>
+            <a:r>
+              <a:rPr lang="en-US" baseline="0" dirty="0" smtClean="0"/>
+              <a:t> have all seen some wording in wine reviews that have been, at the very least, confusing.  I wanted to create something in which you don’t need an advanced degree in wine speak in order to find wines that match what flavors you are in the mood for.  I don’t want to find a wine with one review mentioning grapefruit….I want to find a wine that has many reviews mentioning the presence of grapefruit so I can have more confidence in what I’ll be tasting. </a:t>
+            </a:r>
+            <a:endParaRPr lang="en-US" dirty="0"/>
+          </a:p>
+        </p:txBody>
+      </p:sp>
+      <p:sp>
+        <p:nvSpPr>
+          <p:cNvPr id="4" name="Slide Number Placeholder 3"/>
+          <p:cNvSpPr>
+            <a:spLocks noGrp="1"/>
+          </p:cNvSpPr>
+          <p:nvPr>
+            <p:ph type="sldNum" sz="quarter" idx="10"/>
+          </p:nvPr>
+        </p:nvSpPr>
+        <p:spPr/>
+        <p:txBody>
+          <a:bodyPr/>
+          <a:lstStyle/>
+          <a:p>
+            <a:fld id="{94F86F42-ED3A-0C4F-B9E7-D06D2A3787CF}" type="slidenum">
+              <a:rPr lang="en-US" smtClean="0"/>
+              <a:t>2</a:t>
+            </a:fld>
+            <a:endParaRPr lang="en-US"/>
+          </a:p>
+        </p:txBody>
+      </p:sp>
+    </p:spTree>
+    <p:extLst>
+      <p:ext uri="{BB962C8B-B14F-4D97-AF65-F5344CB8AC3E}">
+        <p14:creationId xmlns:p14="http://schemas.microsoft.com/office/powerpoint/2010/main" val="714692692"/>
+      </p:ext>
+    </p:extLst>
+  </p:cSld>
+  <p:clrMapOvr>
+    <a:masterClrMapping/>
+  </p:clrMapOvr>
+</p:notes>
+</file>
+
+<file path=ppt/notesSlides/notesSlide3.xml><?xml version="1.0" encoding="utf-8"?>
+<p:notes xmlns:a="http://schemas.openxmlformats.org/drawingml/2006/main" xmlns:r="http://schemas.openxmlformats.org/officeDocument/2006/relationships" xmlns:p="http://schemas.openxmlformats.org/presentationml/2006/main">
+  <p:cSld>
+    <p:spTree>
+      <p:nvGrpSpPr>
+        <p:cNvPr id="1" name=""/>
+        <p:cNvGrpSpPr/>
+        <p:nvPr/>
+      </p:nvGrpSpPr>
+      <p:grpSpPr>
+        <a:xfrm>
+          <a:off x="0" y="0"/>
+          <a:ext cx="0" cy="0"/>
+          <a:chOff x="0" y="0"/>
+          <a:chExt cx="0" cy="0"/>
+        </a:xfrm>
+      </p:grpSpPr>
+      <p:sp>
+        <p:nvSpPr>
+          <p:cNvPr id="2" name="Slide Image Placeholder 1"/>
+          <p:cNvSpPr>
+            <a:spLocks noGrp="1" noRot="1" noChangeAspect="1"/>
+          </p:cNvSpPr>
+          <p:nvPr>
+            <p:ph type="sldImg"/>
+          </p:nvPr>
+        </p:nvSpPr>
+        <p:spPr/>
+      </p:sp>
+      <p:sp>
+        <p:nvSpPr>
+          <p:cNvPr id="3" name="Notes Placeholder 2"/>
+          <p:cNvSpPr>
+            <a:spLocks noGrp="1"/>
+          </p:cNvSpPr>
+          <p:nvPr>
+            <p:ph type="body" idx="1"/>
+          </p:nvPr>
+        </p:nvSpPr>
+        <p:spPr/>
+        <p:txBody>
+          <a:bodyPr/>
+          <a:lstStyle/>
+          <a:p>
+            <a:r>
+              <a:rPr lang="en-US" dirty="0" smtClean="0"/>
+              <a:t>To</a:t>
+            </a:r>
+            <a:r>
+              <a:rPr lang="en-US" baseline="0" dirty="0" smtClean="0"/>
+              <a:t> start, I</a:t>
+            </a:r>
+            <a:r>
+              <a:rPr lang="en-US" dirty="0" smtClean="0"/>
+              <a:t> created </a:t>
+            </a:r>
+            <a:r>
+              <a:rPr lang="en-US" baseline="0" dirty="0" smtClean="0"/>
+              <a:t>a Mongo database of 2,000,000 reviews on 500,000 wines.  I then shrunk the dataset down to 28,000 wines each having 15 reviews or more.  Using </a:t>
+            </a:r>
+            <a:r>
+              <a:rPr lang="en-US" baseline="0" dirty="0" err="1" smtClean="0"/>
+              <a:t>sci</a:t>
+            </a:r>
+            <a:r>
+              <a:rPr lang="en-US" baseline="0" dirty="0" smtClean="0"/>
+              <a:t>-kit learn, I converted the reviews to a bag of words model and used </a:t>
+            </a:r>
+            <a:r>
+              <a:rPr lang="en-US" baseline="0" dirty="0" err="1" smtClean="0"/>
+              <a:t>tf-idf</a:t>
+            </a:r>
+            <a:r>
+              <a:rPr lang="en-US" baseline="0" dirty="0" smtClean="0"/>
+              <a:t> to weight important terms.  This resulted in a large dimensionality problem.</a:t>
+            </a:r>
+            <a:endParaRPr lang="en-US" dirty="0"/>
+          </a:p>
+        </p:txBody>
+      </p:sp>
+      <p:sp>
+        <p:nvSpPr>
+          <p:cNvPr id="4" name="Slide Number Placeholder 3"/>
+          <p:cNvSpPr>
+            <a:spLocks noGrp="1"/>
+          </p:cNvSpPr>
+          <p:nvPr>
+            <p:ph type="sldNum" sz="quarter" idx="10"/>
+          </p:nvPr>
+        </p:nvSpPr>
+        <p:spPr/>
+        <p:txBody>
+          <a:bodyPr/>
+          <a:lstStyle/>
+          <a:p>
+            <a:fld id="{94F86F42-ED3A-0C4F-B9E7-D06D2A3787CF}" type="slidenum">
+              <a:rPr lang="en-US" smtClean="0"/>
+              <a:t>3</a:t>
+            </a:fld>
+            <a:endParaRPr lang="en-US"/>
+          </a:p>
+        </p:txBody>
+      </p:sp>
+    </p:spTree>
+    <p:extLst>
+      <p:ext uri="{BB962C8B-B14F-4D97-AF65-F5344CB8AC3E}">
+        <p14:creationId xmlns:p14="http://schemas.microsoft.com/office/powerpoint/2010/main" val="3954619679"/>
+      </p:ext>
+    </p:extLst>
+  </p:cSld>
+  <p:clrMapOvr>
+    <a:masterClrMapping/>
+  </p:clrMapOvr>
+</p:notes>
+</file>
+
+<file path=ppt/notesSlides/notesSlide4.xml><?xml version="1.0" encoding="utf-8"?>
+<p:notes xmlns:a="http://schemas.openxmlformats.org/drawingml/2006/main" xmlns:r="http://schemas.openxmlformats.org/officeDocument/2006/relationships" xmlns:p="http://schemas.openxmlformats.org/presentationml/2006/main">
+  <p:cSld>
+    <p:spTree>
+      <p:nvGrpSpPr>
+        <p:cNvPr id="1" name=""/>
+        <p:cNvGrpSpPr/>
+        <p:nvPr/>
+      </p:nvGrpSpPr>
+      <p:grpSpPr>
+        <a:xfrm>
+          <a:off x="0" y="0"/>
+          <a:ext cx="0" cy="0"/>
+          <a:chOff x="0" y="0"/>
+          <a:chExt cx="0" cy="0"/>
+        </a:xfrm>
+      </p:grpSpPr>
+      <p:sp>
+        <p:nvSpPr>
+          <p:cNvPr id="2" name="Slide Image Placeholder 1"/>
+          <p:cNvSpPr>
+            <a:spLocks noGrp="1" noRot="1" noChangeAspect="1"/>
+          </p:cNvSpPr>
+          <p:nvPr>
+            <p:ph type="sldImg"/>
+          </p:nvPr>
+        </p:nvSpPr>
+        <p:spPr/>
+      </p:sp>
+      <p:sp>
+        <p:nvSpPr>
+          <p:cNvPr id="3" name="Notes Placeholder 2"/>
+          <p:cNvSpPr>
+            <a:spLocks noGrp="1"/>
+          </p:cNvSpPr>
+          <p:nvPr>
+            <p:ph type="body" idx="1"/>
+          </p:nvPr>
+        </p:nvSpPr>
+        <p:spPr/>
+        <p:txBody>
+          <a:bodyPr/>
+          <a:lstStyle/>
+          <a:p>
+            <a:r>
+              <a:rPr lang="en-US" dirty="0" smtClean="0"/>
+              <a:t>To</a:t>
+            </a:r>
+            <a:r>
+              <a:rPr lang="en-US" baseline="0" dirty="0" smtClean="0"/>
+              <a:t> address this dimensionality issue, I used </a:t>
+            </a:r>
+            <a:r>
+              <a:rPr lang="en-US" baseline="0" dirty="0" err="1" smtClean="0"/>
+              <a:t>sci</a:t>
+            </a:r>
+            <a:r>
+              <a:rPr lang="en-US" baseline="0" dirty="0" smtClean="0"/>
+              <a:t>-kit </a:t>
+            </a:r>
+            <a:r>
+              <a:rPr lang="en-US" baseline="0" dirty="0" err="1" smtClean="0"/>
+              <a:t>learn’s</a:t>
+            </a:r>
+            <a:r>
+              <a:rPr lang="en-US" baseline="0" dirty="0" smtClean="0"/>
+              <a:t> truncated </a:t>
+            </a:r>
+            <a:r>
+              <a:rPr lang="en-US" baseline="0" dirty="0" err="1" smtClean="0"/>
+              <a:t>svd</a:t>
+            </a:r>
+            <a:r>
+              <a:rPr lang="en-US" baseline="0" dirty="0" smtClean="0"/>
+              <a:t> to perform principal component analysis on the reviews.  I began by breaking the reviews down to their two principal components as you can see in the diagram above.  Principal component 1 on the x-axis contains words like fruit, dark, and red while principal component 2 on the y-axis contains words like citrus, lemon, and yellow.  The data can be separated linearly quite well.</a:t>
+            </a:r>
+            <a:endParaRPr lang="en-US" dirty="0"/>
+          </a:p>
+        </p:txBody>
+      </p:sp>
+      <p:sp>
+        <p:nvSpPr>
+          <p:cNvPr id="4" name="Slide Number Placeholder 3"/>
+          <p:cNvSpPr>
+            <a:spLocks noGrp="1"/>
+          </p:cNvSpPr>
+          <p:nvPr>
+            <p:ph type="sldNum" sz="quarter" idx="10"/>
+          </p:nvPr>
+        </p:nvSpPr>
+        <p:spPr/>
+        <p:txBody>
+          <a:bodyPr/>
+          <a:lstStyle/>
+          <a:p>
+            <a:fld id="{94F86F42-ED3A-0C4F-B9E7-D06D2A3787CF}" type="slidenum">
+              <a:rPr lang="en-US" smtClean="0"/>
+              <a:t>4</a:t>
+            </a:fld>
+            <a:endParaRPr lang="en-US"/>
+          </a:p>
+        </p:txBody>
+      </p:sp>
+    </p:spTree>
+    <p:extLst>
+      <p:ext uri="{BB962C8B-B14F-4D97-AF65-F5344CB8AC3E}">
+        <p14:creationId xmlns:p14="http://schemas.microsoft.com/office/powerpoint/2010/main" val="3498765405"/>
+      </p:ext>
+    </p:extLst>
+  </p:cSld>
+  <p:clrMapOvr>
+    <a:masterClrMapping/>
+  </p:clrMapOvr>
+</p:notes>
+</file>
+
+<file path=ppt/notesSlides/notesSlide5.xml><?xml version="1.0" encoding="utf-8"?>
+<p:notes xmlns:a="http://schemas.openxmlformats.org/drawingml/2006/main" xmlns:r="http://schemas.openxmlformats.org/officeDocument/2006/relationships" xmlns:p="http://schemas.openxmlformats.org/presentationml/2006/main">
+  <p:cSld>
+    <p:spTree>
+      <p:nvGrpSpPr>
+        <p:cNvPr id="1" name=""/>
+        <p:cNvGrpSpPr/>
+        <p:nvPr/>
+      </p:nvGrpSpPr>
+      <p:grpSpPr>
+        <a:xfrm>
+          <a:off x="0" y="0"/>
+          <a:ext cx="0" cy="0"/>
+          <a:chOff x="0" y="0"/>
+          <a:chExt cx="0" cy="0"/>
+        </a:xfrm>
+      </p:grpSpPr>
+      <p:sp>
+        <p:nvSpPr>
+          <p:cNvPr id="2" name="Slide Image Placeholder 1"/>
+          <p:cNvSpPr>
+            <a:spLocks noGrp="1" noRot="1" noChangeAspect="1"/>
+          </p:cNvSpPr>
+          <p:nvPr>
+            <p:ph type="sldImg"/>
+          </p:nvPr>
+        </p:nvSpPr>
+        <p:spPr/>
+      </p:sp>
+      <p:sp>
+        <p:nvSpPr>
+          <p:cNvPr id="3" name="Notes Placeholder 2"/>
+          <p:cNvSpPr>
+            <a:spLocks noGrp="1"/>
+          </p:cNvSpPr>
+          <p:nvPr>
+            <p:ph type="body" idx="1"/>
+          </p:nvPr>
+        </p:nvSpPr>
+        <p:spPr/>
+        <p:txBody>
+          <a:bodyPr/>
+          <a:lstStyle/>
+          <a:p>
+            <a:r>
+              <a:rPr lang="en-US" dirty="0" smtClean="0"/>
+              <a:t>The next step</a:t>
+            </a:r>
+            <a:r>
+              <a:rPr lang="en-US" baseline="0" dirty="0" smtClean="0"/>
+              <a:t> </a:t>
+            </a:r>
+            <a:r>
+              <a:rPr lang="en-US" baseline="0" dirty="0" err="1" smtClean="0"/>
+              <a:t>wss</a:t>
+            </a:r>
+            <a:r>
+              <a:rPr lang="en-US" baseline="0" dirty="0" smtClean="0"/>
+              <a:t> to figure out what kind of flavors were prevalent in the review corpus..  Using </a:t>
+            </a:r>
+            <a:r>
+              <a:rPr lang="en-US" dirty="0" smtClean="0"/>
+              <a:t>Latent </a:t>
+            </a:r>
+            <a:r>
+              <a:rPr lang="en-US" dirty="0" err="1" smtClean="0"/>
+              <a:t>Dirichlet</a:t>
+            </a:r>
+            <a:r>
+              <a:rPr lang="en-US" baseline="0" dirty="0" smtClean="0"/>
+              <a:t> Allocation from </a:t>
+            </a:r>
+            <a:r>
+              <a:rPr lang="en-US" baseline="0" dirty="0" err="1" smtClean="0"/>
+              <a:t>gensim</a:t>
+            </a:r>
+            <a:r>
+              <a:rPr lang="en-US" baseline="0" dirty="0" smtClean="0"/>
+              <a:t>, I ran topic modeling on the reviews to try to extract important keywords or topics for different kinds of wines to offer the user.</a:t>
+            </a:r>
+            <a:endParaRPr lang="en-US" dirty="0"/>
+          </a:p>
+        </p:txBody>
+      </p:sp>
+      <p:sp>
+        <p:nvSpPr>
+          <p:cNvPr id="4" name="Slide Number Placeholder 3"/>
+          <p:cNvSpPr>
+            <a:spLocks noGrp="1"/>
+          </p:cNvSpPr>
+          <p:nvPr>
+            <p:ph type="sldNum" sz="quarter" idx="10"/>
+          </p:nvPr>
+        </p:nvSpPr>
+        <p:spPr/>
+        <p:txBody>
+          <a:bodyPr/>
+          <a:lstStyle/>
+          <a:p>
+            <a:fld id="{94F86F42-ED3A-0C4F-B9E7-D06D2A3787CF}" type="slidenum">
+              <a:rPr lang="en-US" smtClean="0"/>
+              <a:t>5</a:t>
+            </a:fld>
+            <a:endParaRPr lang="en-US"/>
+          </a:p>
+        </p:txBody>
+      </p:sp>
+    </p:spTree>
+    <p:extLst>
+      <p:ext uri="{BB962C8B-B14F-4D97-AF65-F5344CB8AC3E}">
+        <p14:creationId xmlns:p14="http://schemas.microsoft.com/office/powerpoint/2010/main" val="4193595744"/>
+      </p:ext>
+    </p:extLst>
+  </p:cSld>
+  <p:clrMapOvr>
+    <a:masterClrMapping/>
+  </p:clrMapOvr>
+</p:notes>
+</file>
+
+<file path=ppt/notesSlides/notesSlide6.xml><?xml version="1.0" encoding="utf-8"?>
+<p:notes xmlns:a="http://schemas.openxmlformats.org/drawingml/2006/main" xmlns:r="http://schemas.openxmlformats.org/officeDocument/2006/relationships" xmlns:p="http://schemas.openxmlformats.org/presentationml/2006/main">
+  <p:cSld>
+    <p:spTree>
+      <p:nvGrpSpPr>
+        <p:cNvPr id="1" name=""/>
+        <p:cNvGrpSpPr/>
+        <p:nvPr/>
+      </p:nvGrpSpPr>
+      <p:grpSpPr>
+        <a:xfrm>
+          <a:off x="0" y="0"/>
+          <a:ext cx="0" cy="0"/>
+          <a:chOff x="0" y="0"/>
+          <a:chExt cx="0" cy="0"/>
+        </a:xfrm>
+      </p:grpSpPr>
+      <p:sp>
+        <p:nvSpPr>
+          <p:cNvPr id="2" name="Slide Image Placeholder 1"/>
+          <p:cNvSpPr>
+            <a:spLocks noGrp="1" noRot="1" noChangeAspect="1"/>
+          </p:cNvSpPr>
+          <p:nvPr>
+            <p:ph type="sldImg"/>
+          </p:nvPr>
+        </p:nvSpPr>
+        <p:spPr/>
+      </p:sp>
+      <p:sp>
+        <p:nvSpPr>
+          <p:cNvPr id="3" name="Notes Placeholder 2"/>
+          <p:cNvSpPr>
+            <a:spLocks noGrp="1"/>
+          </p:cNvSpPr>
+          <p:nvPr>
+            <p:ph type="body" idx="1"/>
+          </p:nvPr>
+        </p:nvSpPr>
+        <p:spPr/>
+        <p:txBody>
+          <a:bodyPr/>
+          <a:lstStyle/>
+          <a:p>
+            <a:r>
+              <a:rPr lang="en-US" dirty="0" smtClean="0"/>
+              <a:t>Finally, I use </a:t>
+            </a:r>
+            <a:r>
+              <a:rPr lang="en-US" dirty="0" err="1" smtClean="0"/>
+              <a:t>sci</a:t>
+            </a:r>
+            <a:r>
+              <a:rPr lang="en-US" dirty="0" smtClean="0"/>
+              <a:t>-kit </a:t>
+            </a:r>
+            <a:r>
+              <a:rPr lang="en-US" dirty="0" err="1" smtClean="0"/>
+              <a:t>learn’s</a:t>
+            </a:r>
+            <a:r>
+              <a:rPr lang="en-US" dirty="0" smtClean="0"/>
+              <a:t> locality</a:t>
+            </a:r>
+            <a:r>
+              <a:rPr lang="en-US" baseline="0" dirty="0" smtClean="0"/>
+              <a:t> sensitive hashing forest to create a space of all wine reviews.  Once I receive flavor words from the user, I am able to find the most similar wines and their reviews to the flavors mentioned.</a:t>
+            </a:r>
+            <a:endParaRPr lang="en-US" dirty="0"/>
+          </a:p>
+        </p:txBody>
+      </p:sp>
+      <p:sp>
+        <p:nvSpPr>
+          <p:cNvPr id="4" name="Slide Number Placeholder 3"/>
+          <p:cNvSpPr>
+            <a:spLocks noGrp="1"/>
+          </p:cNvSpPr>
+          <p:nvPr>
+            <p:ph type="sldNum" sz="quarter" idx="10"/>
+          </p:nvPr>
+        </p:nvSpPr>
+        <p:spPr/>
+        <p:txBody>
+          <a:bodyPr/>
+          <a:lstStyle/>
+          <a:p>
+            <a:fld id="{94F86F42-ED3A-0C4F-B9E7-D06D2A3787CF}" type="slidenum">
+              <a:rPr lang="en-US" smtClean="0"/>
+              <a:t>6</a:t>
+            </a:fld>
+            <a:endParaRPr lang="en-US"/>
+          </a:p>
+        </p:txBody>
+      </p:sp>
+    </p:spTree>
+    <p:extLst>
+      <p:ext uri="{BB962C8B-B14F-4D97-AF65-F5344CB8AC3E}">
+        <p14:creationId xmlns:p14="http://schemas.microsoft.com/office/powerpoint/2010/main" val="2963426038"/>
+      </p:ext>
+    </p:extLst>
+  </p:cSld>
+  <p:clrMapOvr>
+    <a:masterClrMapping/>
+  </p:clrMapOvr>
+</p:notes>
+</file>
+
 <file path=ppt/slideLayouts/slideLayout1.xml><?xml version="1.0" encoding="utf-8"?>
 <p:sldLayout xmlns:a="http://schemas.openxmlformats.org/drawingml/2006/main" xmlns:r="http://schemas.openxmlformats.org/officeDocument/2006/relationships" xmlns:p="http://schemas.openxmlformats.org/presentationml/2006/main" type="title" preserve="1">
   <p:cSld name="Title Slide">
@@ -351,7 +1362,7 @@
           <a:p>
             <a:fld id="{2069C06D-4ED8-42C6-905D-CA84CA1B6CBF}" type="datetime2">
               <a:rPr lang="en-US" smtClean="0"/>
-              <a:t>Friday, June 19, 15</a:t>
+              <a:t>Monday, June 22, 15</a:t>
             </a:fld>
             <a:endParaRPr lang="en-US" dirty="0"/>
           </a:p>
@@ -522,7 +1533,7 @@
           <a:p>
             <a:fld id="{A56EEE0E-EDB0-4D84-86B0-50833DF22902}" type="datetime2">
               <a:rPr lang="en-US" smtClean="0"/>
-              <a:t>Friday, June 19, 15</a:t>
+              <a:t>Monday, June 22, 15</a:t>
             </a:fld>
             <a:endParaRPr lang="en-US"/>
           </a:p>
@@ -698,7 +1709,7 @@
           <a:p>
             <a:fld id="{5114372C-B5AB-4C39-B273-B99224EB4DD5}" type="datetime2">
               <a:rPr lang="en-US" smtClean="0"/>
-              <a:t>Friday, June 19, 15</a:t>
+              <a:t>Monday, June 22, 15</a:t>
             </a:fld>
             <a:endParaRPr lang="en-US"/>
           </a:p>
@@ -864,7 +1875,7 @@
           <a:p>
             <a:fld id="{14CB1CAA-32CD-4B55-B92A-B8F0843CACF4}" type="datetime2">
               <a:rPr lang="en-US" smtClean="0"/>
-              <a:t>Friday, June 19, 15</a:t>
+              <a:t>Monday, June 22, 15</a:t>
             </a:fld>
             <a:endParaRPr lang="en-US" dirty="0"/>
           </a:p>
@@ -1122,7 +2133,7 @@
           <a:p>
             <a:fld id="{3AD8CDC4-3D19-4983-B478-82F6B8E5AB66}" type="datetime2">
               <a:rPr lang="en-US" smtClean="0"/>
-              <a:t>Friday, June 19, 15</a:t>
+              <a:t>Monday, June 22, 15</a:t>
             </a:fld>
             <a:endParaRPr lang="en-US" dirty="0"/>
           </a:p>
@@ -1263,7 +2274,7 @@
           <a:p>
             <a:fld id="{84B82477-D5D3-4181-8C11-75D0F2433A87}" type="datetime2">
               <a:rPr lang="en-US" smtClean="0"/>
-              <a:t>Friday, June 19, 15</a:t>
+              <a:t>Monday, June 22, 15</a:t>
             </a:fld>
             <a:endParaRPr lang="en-US" dirty="0"/>
           </a:p>
@@ -1914,7 +2925,7 @@
           <a:p>
             <a:fld id="{213E253B-1893-4367-8BAE-DF4BC10DC578}" type="datetime2">
               <a:rPr lang="en-US" smtClean="0"/>
-              <a:t>Friday, June 19, 15</a:t>
+              <a:t>Monday, June 22, 15</a:t>
             </a:fld>
             <a:endParaRPr lang="en-US" dirty="0"/>
           </a:p>
@@ -2028,7 +3039,7 @@
           <a:p>
             <a:fld id="{8B62300D-25B3-4603-86C9-4CB776489F00}" type="datetime2">
               <a:rPr lang="en-US" smtClean="0"/>
-              <a:t>Friday, June 19, 15</a:t>
+              <a:t>Monday, June 22, 15</a:t>
             </a:fld>
             <a:endParaRPr lang="en-US" dirty="0"/>
           </a:p>
@@ -2119,7 +3130,7 @@
           <a:p>
             <a:fld id="{C6314AD9-FCC8-48B7-B85B-012A91320DFF}" type="datetime2">
               <a:rPr lang="en-US" smtClean="0"/>
-              <a:t>Friday, June 19, 15</a:t>
+              <a:t>Monday, June 22, 15</a:t>
             </a:fld>
             <a:endParaRPr lang="en-US" dirty="0"/>
           </a:p>
@@ -2410,7 +3421,7 @@
           <a:p>
             <a:fld id="{3182DC50-D5DB-4F94-B367-9876CD2C4012}" type="datetime2">
               <a:rPr lang="en-US" smtClean="0"/>
-              <a:t>Friday, June 19, 15</a:t>
+              <a:t>Monday, June 22, 15</a:t>
             </a:fld>
             <a:endParaRPr lang="en-US" dirty="0"/>
           </a:p>
@@ -2734,7 +3745,7 @@
           <a:p>
             <a:fld id="{292EB412-E790-42EA-81FE-2925D3A43D91}" type="datetime2">
               <a:rPr lang="en-US" smtClean="0"/>
-              <a:t>Friday, June 19, 15</a:t>
+              <a:t>Monday, June 22, 15</a:t>
             </a:fld>
             <a:endParaRPr lang="en-US" dirty="0"/>
           </a:p>
@@ -3192,7 +4203,7 @@
           <a:p>
             <a:fld id="{0B385921-A91A-409C-921C-0E0EC1E750EC}" type="datetime2">
               <a:rPr lang="en-US" smtClean="0"/>
-              <a:t>Friday, June 19, 15</a:t>
+              <a:t>Monday, June 22, 15</a:t>
             </a:fld>
             <a:endParaRPr lang="en-US" dirty="0"/>
           </a:p>
@@ -3714,16 +4725,45 @@
             <p:ph type="ctrTitle"/>
           </p:nvPr>
         </p:nvSpPr>
-        <p:spPr/>
+        <p:spPr>
+          <a:xfrm>
+            <a:off x="777240" y="584161"/>
+            <a:ext cx="7543800" cy="2152650"/>
+          </a:xfrm>
+        </p:spPr>
         <p:txBody>
           <a:bodyPr/>
           <a:lstStyle/>
           <a:p>
             <a:r>
-              <a:rPr lang="en-US" dirty="0" smtClean="0"/>
-              <a:t>Wine Time</a:t>
-            </a:r>
-            <a:endParaRPr lang="en-US" dirty="0"/>
+              <a:rPr lang="en-US" dirty="0" err="1" smtClean="0">
+                <a:solidFill>
+                  <a:srgbClr val="CCFFCC"/>
+                </a:solidFill>
+              </a:rPr>
+              <a:t>Fl@vor</a:t>
+            </a:r>
+            <a:r>
+              <a:rPr lang="en-US" dirty="0" smtClean="0">
+                <a:solidFill>
+                  <a:srgbClr val="CCFFCC"/>
+                </a:solidFill>
+              </a:rPr>
+              <a:t> </a:t>
+            </a:r>
+            <a:r>
+              <a:rPr lang="en-US" dirty="0" err="1" smtClean="0">
+                <a:solidFill>
+                  <a:srgbClr val="CCFFCC"/>
+                </a:solidFill>
+              </a:rPr>
+              <a:t>F@ve</a:t>
+            </a:r>
+            <a:endParaRPr lang="en-US" dirty="0">
+              <a:solidFill>
+                <a:srgbClr val="CCFFCC"/>
+              </a:solidFill>
+            </a:endParaRPr>
           </a:p>
         </p:txBody>
       </p:sp>
@@ -3737,28 +4777,56 @@
             <p:ph type="subTitle" idx="1"/>
           </p:nvPr>
         </p:nvSpPr>
-        <p:spPr/>
+        <p:spPr>
+          <a:xfrm>
+            <a:off x="2148840" y="3128891"/>
+            <a:ext cx="6172200" cy="1238006"/>
+          </a:xfrm>
+        </p:spPr>
         <p:txBody>
           <a:bodyPr>
-            <a:normAutofit lnSpcReduction="10000"/>
+            <a:noAutofit/>
           </a:bodyPr>
           <a:lstStyle/>
           <a:p>
             <a:r>
-              <a:rPr lang="en-US" dirty="0" smtClean="0"/>
-              <a:t>An exploration of flavors through crowd-</a:t>
-            </a:r>
-            <a:r>
-              <a:rPr lang="en-US" dirty="0" smtClean="0"/>
-              <a:t>sourced customer </a:t>
-            </a:r>
-            <a:r>
-              <a:rPr lang="en-US" dirty="0" smtClean="0"/>
-              <a:t>reviews.</a:t>
-            </a:r>
-          </a:p>
-        </p:txBody>
-      </p:sp>
+              <a:rPr lang="en-US" sz="2000" dirty="0" smtClean="0"/>
+              <a:t>Have a hankering for caramel, strawberry, or butter flavors in your wine?  </a:t>
+            </a:r>
+            <a:endParaRPr lang="en-US" sz="2000" dirty="0" smtClean="0"/>
+          </a:p>
+        </p:txBody>
+      </p:sp>
+      <p:pic>
+        <p:nvPicPr>
+          <p:cNvPr id="4" name="Picture 3" descr="bottle-of-wine-1421111138.jpg"/>
+          <p:cNvPicPr>
+            <a:picLocks noChangeAspect="1"/>
+          </p:cNvPicPr>
+          <p:nvPr/>
+        </p:nvPicPr>
+        <p:blipFill>
+          <a:blip r:embed="rId3">
+            <a:extLst>
+              <a:ext uri="{28A0092B-C50C-407E-A947-70E740481C1C}">
+                <a14:useLocalDpi xmlns:a14="http://schemas.microsoft.com/office/drawing/2010/main" val="0"/>
+              </a:ext>
+            </a:extLst>
+          </a:blip>
+          <a:stretch>
+            <a:fillRect/>
+          </a:stretch>
+        </p:blipFill>
+        <p:spPr>
+          <a:xfrm>
+            <a:off x="3456911" y="4366897"/>
+            <a:ext cx="2026004" cy="2026004"/>
+          </a:xfrm>
+          <a:prstGeom prst="rect">
+            <a:avLst/>
+          </a:prstGeom>
+        </p:spPr>
+      </p:pic>
     </p:spTree>
     <p:extLst>
       <p:ext uri="{BB962C8B-B14F-4D97-AF65-F5344CB8AC3E}">
@@ -3808,44 +4876,20 @@
         </p:nvSpPr>
         <p:spPr>
           <a:xfrm>
-            <a:off x="496118" y="2590918"/>
-            <a:ext cx="6096000" cy="2773488"/>
+            <a:off x="354683" y="1558298"/>
+            <a:ext cx="6096000" cy="1925725"/>
           </a:xfrm>
         </p:spPr>
         <p:txBody>
           <a:bodyPr>
-            <a:normAutofit lnSpcReduction="10000"/>
+            <a:normAutofit/>
           </a:bodyPr>
           <a:lstStyle/>
           <a:p>
-            <a:pPr>
-              <a:buFont typeface="Wingdings" charset="2"/>
-              <a:buChar char="§"/>
+            <a:pPr marL="18288" indent="0">
+              <a:buNone/>
             </a:pPr>
-            <a:r>
-              <a:rPr lang="en-US" dirty="0"/>
-              <a:t>Tobacco and tar </a:t>
-            </a:r>
-            <a:r>
-              <a:rPr lang="en-US" dirty="0" err="1"/>
-              <a:t>flavours</a:t>
-            </a:r>
-            <a:r>
-              <a:rPr lang="en-US" dirty="0"/>
-              <a:t> are supported by a an expressive </a:t>
-            </a:r>
-            <a:r>
-              <a:rPr lang="en-US" dirty="0" err="1"/>
-              <a:t>mineality</a:t>
-            </a:r>
-            <a:r>
-              <a:rPr lang="en-US" dirty="0"/>
-              <a:t> of forest soil and graphite</a:t>
-            </a:r>
-            <a:r>
-              <a:rPr lang="en-US" dirty="0" smtClean="0"/>
-              <a:t>.</a:t>
-            </a:r>
+            <a:endParaRPr lang="en-US" dirty="0" smtClean="0"/>
           </a:p>
           <a:p>
             <a:pPr>
@@ -3860,34 +4904,23 @@
               <a:buChar char="§"/>
             </a:pPr>
             <a:r>
-              <a:rPr lang="en-US" dirty="0" smtClean="0"/>
+              <a:rPr lang="en-US" sz="2400" dirty="0" smtClean="0"/>
               <a:t>Retained </a:t>
             </a:r>
             <a:r>
-              <a:rPr lang="en-US" dirty="0"/>
+              <a:rPr lang="en-US" sz="2400" dirty="0"/>
               <a:t>a mossy quality, with distinct pencil shavings</a:t>
             </a:r>
             <a:r>
-              <a:rPr lang="en-US" dirty="0" smtClean="0"/>
+              <a:rPr lang="en-US" sz="2400" dirty="0" smtClean="0"/>
               <a:t>.</a:t>
             </a:r>
           </a:p>
           <a:p>
-            <a:pPr>
-              <a:buFont typeface="Wingdings" charset="2"/>
-              <a:buChar char="§"/>
+            <a:pPr marL="18288" indent="0">
+              <a:buNone/>
             </a:pPr>
             <a:endParaRPr lang="en-US" dirty="0"/>
-          </a:p>
-          <a:p>
-            <a:pPr>
-              <a:buFont typeface="Wingdings" charset="2"/>
-              <a:buChar char="§"/>
-            </a:pPr>
-            <a:r>
-              <a:rPr lang="en-US" dirty="0"/>
-              <a:t>On the palate, medium weight, medium length, but sweet and seductive for about an hour.</a:t>
-            </a:r>
           </a:p>
         </p:txBody>
       </p:sp>
@@ -3917,7 +4950,15 @@
                   <a:srgbClr val="CCFFCC"/>
                 </a:solidFill>
               </a:rPr>
-              <a:t>Review Snippets</a:t>
+              <a:t>Review </a:t>
+            </a:r>
+            <a:r>
+              <a:rPr lang="en-US" sz="4000" dirty="0" smtClean="0">
+                <a:solidFill>
+                  <a:srgbClr val="CCFFCC"/>
+                </a:solidFill>
+              </a:rPr>
+              <a:t>Snippet</a:t>
             </a:r>
             <a:endParaRPr lang="en-US" sz="4000" dirty="0">
               <a:solidFill>
@@ -3927,6 +4968,36 @@
           </a:p>
         </p:txBody>
       </p:sp>
+      <p:pic>
+        <p:nvPicPr>
+          <p:cNvPr id="4" name="Picture 3" descr="wine_2805426b.jpg"/>
+          <p:cNvPicPr>
+            <a:picLocks noChangeAspect="1"/>
+          </p:cNvPicPr>
+          <p:nvPr/>
+        </p:nvPicPr>
+        <p:blipFill>
+          <a:blip r:embed="rId3">
+            <a:extLst>
+              <a:ext uri="{28A0092B-C50C-407E-A947-70E740481C1C}">
+                <a14:useLocalDpi xmlns:a14="http://schemas.microsoft.com/office/drawing/2010/main" val="0"/>
+              </a:ext>
+            </a:extLst>
+          </a:blip>
+          <a:stretch>
+            <a:fillRect/>
+          </a:stretch>
+        </p:blipFill>
+        <p:spPr>
+          <a:xfrm>
+            <a:off x="4312811" y="3484023"/>
+            <a:ext cx="3423414" cy="2136873"/>
+          </a:xfrm>
+          <a:prstGeom prst="rect">
+            <a:avLst/>
+          </a:prstGeom>
+        </p:spPr>
+      </p:pic>
     </p:spTree>
     <p:extLst>
       <p:ext uri="{BB962C8B-B14F-4D97-AF65-F5344CB8AC3E}">
@@ -3976,36 +5047,43 @@
         </p:nvSpPr>
         <p:spPr>
           <a:xfrm>
-            <a:off x="777239" y="1571512"/>
+            <a:off x="777240" y="2570639"/>
             <a:ext cx="6892191" cy="3657599"/>
           </a:xfrm>
         </p:spPr>
         <p:txBody>
           <a:bodyPr>
-            <a:normAutofit fontScale="92500" lnSpcReduction="20000"/>
+            <a:normAutofit/>
           </a:bodyPr>
           <a:lstStyle/>
+          <a:p>
+            <a:pPr marL="18288" indent="0">
+              <a:buNone/>
+            </a:pPr>
+            <a:endParaRPr lang="en-US" dirty="0" smtClean="0"/>
+          </a:p>
+          <a:p>
+            <a:pPr marL="18288" indent="0">
+              <a:buNone/>
+            </a:pPr>
+            <a:endParaRPr lang="en-US" dirty="0"/>
+          </a:p>
           <a:p>
             <a:pPr>
               <a:buFont typeface="Wingdings" charset="2"/>
               <a:buChar char="§"/>
             </a:pPr>
-            <a:endParaRPr lang="en-US" dirty="0" smtClean="0"/>
-          </a:p>
-          <a:p>
-            <a:pPr marL="18288" indent="0">
-              <a:buNone/>
-            </a:pPr>
-            <a:endParaRPr lang="en-US" dirty="0"/>
-          </a:p>
-          <a:p>
-            <a:pPr>
-              <a:buFont typeface="Wingdings" charset="2"/>
-              <a:buChar char="§"/>
-            </a:pPr>
             <a:r>
               <a:rPr lang="en-US" dirty="0" smtClean="0"/>
-              <a:t>Over 2 million wine reviews on almost 500,000 wines</a:t>
+              <a:t>Dataset </a:t>
+            </a:r>
+            <a:r>
+              <a:rPr lang="en-US" dirty="0" smtClean="0"/>
+              <a:t>of 28,000 wines </a:t>
+            </a:r>
+            <a:r>
+              <a:rPr lang="en-US" dirty="0" smtClean="0"/>
+              <a:t>that have 15 or more reviews</a:t>
             </a:r>
           </a:p>
           <a:p>
@@ -4022,7 +5100,11 @@
             </a:pPr>
             <a:r>
               <a:rPr lang="en-US" dirty="0" smtClean="0"/>
-              <a:t>Dataset reduced to almost 30,000 wines that have 15 or more reviews</a:t>
+              <a:t>“Bag-of-words” model, </a:t>
+            </a:r>
+            <a:r>
+              <a:rPr lang="en-US" dirty="0" smtClean="0"/>
+              <a:t>TF-IDF</a:t>
             </a:r>
           </a:p>
           <a:p>
@@ -4039,49 +5121,13 @@
             </a:pPr>
             <a:r>
               <a:rPr lang="en-US" dirty="0" smtClean="0"/>
-              <a:t>Convert reviews to a bag or words model</a:t>
-            </a:r>
-          </a:p>
-          <a:p>
-            <a:pPr>
-              <a:buFont typeface="Wingdings" charset="2"/>
-              <a:buChar char="§"/>
-            </a:pPr>
-            <a:endParaRPr lang="en-US" dirty="0"/>
-          </a:p>
-          <a:p>
-            <a:pPr>
-              <a:buFont typeface="Wingdings" charset="2"/>
-              <a:buChar char="§"/>
-            </a:pPr>
-            <a:r>
-              <a:rPr lang="en-US" dirty="0" smtClean="0"/>
-              <a:t>Results in a matrix of approximately 28,800 x 4,200,000</a:t>
-            </a:r>
+              <a:t>Large Dimensions</a:t>
+            </a:r>
+            <a:endParaRPr lang="en-US" dirty="0" smtClean="0"/>
           </a:p>
           <a:p>
             <a:pPr marL="18288" indent="0">
               <a:buNone/>
-            </a:pPr>
-            <a:r>
-              <a:rPr lang="en-US" dirty="0" smtClean="0"/>
-              <a:t> </a:t>
-            </a:r>
-          </a:p>
-          <a:p>
-            <a:pPr>
-              <a:buFont typeface="Wingdings" charset="2"/>
-              <a:buChar char="§"/>
-            </a:pPr>
-            <a:r>
-              <a:rPr lang="en-US" dirty="0" smtClean="0"/>
-              <a:t>Curse of Dimensionality!!!</a:t>
-            </a:r>
-          </a:p>
-          <a:p>
-            <a:pPr>
-              <a:buFont typeface="Wingdings" charset="2"/>
-              <a:buChar char="§"/>
             </a:pPr>
             <a:endParaRPr lang="en-US" dirty="0"/>
           </a:p>
@@ -4120,7 +5166,15 @@
                   <a:srgbClr val="CCFFCC"/>
                 </a:solidFill>
               </a:rPr>
-              <a:t>Where to begin:</a:t>
+              <a:t>Where to begin</a:t>
+            </a:r>
+            <a:r>
+              <a:rPr lang="en-US" sz="4000" dirty="0" smtClean="0">
+                <a:solidFill>
+                  <a:srgbClr val="CCFFCC"/>
+                </a:solidFill>
+              </a:rPr>
+              <a:t>:  Mongo DB</a:t>
             </a:r>
             <a:endParaRPr lang="en-US" sz="4000" dirty="0">
               <a:solidFill>
@@ -4130,6 +5184,36 @@
           </a:p>
         </p:txBody>
       </p:sp>
+      <p:pic>
+        <p:nvPicPr>
+          <p:cNvPr id="4" name="Picture 3" descr="mong.png"/>
+          <p:cNvPicPr>
+            <a:picLocks noChangeAspect="1"/>
+          </p:cNvPicPr>
+          <p:nvPr/>
+        </p:nvPicPr>
+        <p:blipFill>
+          <a:blip r:embed="rId3">
+            <a:extLst>
+              <a:ext uri="{28A0092B-C50C-407E-A947-70E740481C1C}">
+                <a14:useLocalDpi xmlns:a14="http://schemas.microsoft.com/office/drawing/2010/main" val="0"/>
+              </a:ext>
+            </a:extLst>
+          </a:blip>
+          <a:stretch>
+            <a:fillRect/>
+          </a:stretch>
+        </p:blipFill>
+        <p:spPr>
+          <a:xfrm>
+            <a:off x="3085269" y="1468575"/>
+            <a:ext cx="2273738" cy="1280872"/>
+          </a:xfrm>
+          <a:prstGeom prst="rect">
+            <a:avLst/>
+          </a:prstGeom>
+        </p:spPr>
+      </p:pic>
     </p:spTree>
     <p:extLst>
       <p:ext uri="{BB962C8B-B14F-4D97-AF65-F5344CB8AC3E}">
@@ -4169,240 +5253,64 @@
       </p:grpSpPr>
       <p:sp>
         <p:nvSpPr>
-          <p:cNvPr id="2" name="Content Placeholder 1"/>
-          <p:cNvSpPr>
-            <a:spLocks noGrp="1"/>
-          </p:cNvSpPr>
-          <p:nvPr>
-            <p:ph idx="1"/>
+          <p:cNvPr id="3" name="Title 2"/>
+          <p:cNvSpPr>
+            <a:spLocks noGrp="1"/>
+          </p:cNvSpPr>
+          <p:nvPr>
+            <p:ph type="title"/>
           </p:nvPr>
         </p:nvSpPr>
         <p:spPr>
           <a:xfrm>
-            <a:off x="777240" y="852916"/>
-            <a:ext cx="6096000" cy="3657599"/>
+            <a:off x="301625" y="5507104"/>
+            <a:ext cx="7543800" cy="914400"/>
           </a:xfrm>
         </p:spPr>
         <p:txBody>
           <a:bodyPr/>
           <a:lstStyle/>
           <a:p>
-            <a:pPr>
-              <a:buFont typeface="Courier New"/>
-              <a:buChar char="o"/>
-            </a:pPr>
-            <a:r>
-              <a:rPr lang="en-US" b="1" dirty="0" smtClean="0"/>
-              <a:t>Principal Component 1:</a:t>
-            </a:r>
-          </a:p>
-          <a:p>
-            <a:pPr lvl="1">
-              <a:buFont typeface="Courier New"/>
-              <a:buChar char="o"/>
-            </a:pPr>
-            <a:r>
-              <a:rPr lang="en-US" dirty="0" smtClean="0"/>
-              <a:t>'fruit’, 'finish</a:t>
-            </a:r>
-            <a:r>
-              <a:rPr lang="en-US" dirty="0"/>
-              <a:t>', </a:t>
-            </a:r>
-            <a:r>
-              <a:rPr lang="en-US" dirty="0" smtClean="0"/>
-              <a:t>'</a:t>
-            </a:r>
-            <a:r>
-              <a:rPr lang="en-US" dirty="0"/>
-              <a:t>good', </a:t>
-            </a:r>
-            <a:r>
-              <a:rPr lang="en-US" dirty="0" smtClean="0"/>
-              <a:t>'</a:t>
-            </a:r>
-            <a:r>
-              <a:rPr lang="en-US" dirty="0"/>
-              <a:t>dark', </a:t>
-            </a:r>
-            <a:r>
-              <a:rPr lang="en-US" dirty="0" smtClean="0"/>
-              <a:t>'</a:t>
-            </a:r>
-            <a:r>
-              <a:rPr lang="en-US" dirty="0"/>
-              <a:t>nice', </a:t>
-            </a:r>
-            <a:r>
-              <a:rPr lang="en-US" dirty="0" smtClean="0"/>
-              <a:t>'palate’, '</a:t>
-            </a:r>
-            <a:r>
-              <a:rPr lang="en-US" dirty="0"/>
-              <a:t>tannins', </a:t>
-            </a:r>
-            <a:r>
-              <a:rPr lang="en-US" dirty="0" smtClean="0"/>
-              <a:t>'</a:t>
-            </a:r>
-            <a:r>
-              <a:rPr lang="en-US" dirty="0"/>
-              <a:t>red', </a:t>
-            </a:r>
-            <a:r>
-              <a:rPr lang="en-US" dirty="0" smtClean="0"/>
-              <a:t>'cherry’, 'black’)</a:t>
-            </a:r>
-          </a:p>
-          <a:p>
-            <a:pPr lvl="1">
-              <a:buFont typeface="Courier New"/>
-              <a:buChar char="o"/>
-            </a:pPr>
-            <a:endParaRPr lang="en-US" dirty="0"/>
-          </a:p>
-          <a:p>
-            <a:pPr>
-              <a:buFont typeface="Courier New"/>
-              <a:buChar char="o"/>
-            </a:pPr>
-            <a:r>
-              <a:rPr lang="en-US" b="1" dirty="0" smtClean="0"/>
-              <a:t>Principal Component 2:</a:t>
-            </a:r>
-          </a:p>
-          <a:p>
-            <a:pPr lvl="1">
-              <a:buFont typeface="Courier New"/>
-              <a:buChar char="o"/>
-            </a:pPr>
-            <a:r>
-              <a:rPr lang="en-US" dirty="0" smtClean="0"/>
-              <a:t>'</a:t>
-            </a:r>
-            <a:r>
-              <a:rPr lang="en-US" dirty="0"/>
-              <a:t>citrus', </a:t>
-            </a:r>
-            <a:r>
-              <a:rPr lang="en-US" dirty="0" smtClean="0"/>
-              <a:t>'</a:t>
-            </a:r>
-            <a:r>
-              <a:rPr lang="en-US" dirty="0"/>
-              <a:t>lemon', </a:t>
-            </a:r>
-            <a:r>
-              <a:rPr lang="en-US" dirty="0" smtClean="0"/>
-              <a:t>'</a:t>
-            </a:r>
-            <a:r>
-              <a:rPr lang="en-US" dirty="0"/>
-              <a:t>apple', </a:t>
-            </a:r>
-            <a:r>
-              <a:rPr lang="en-US" dirty="0" smtClean="0"/>
-              <a:t>'</a:t>
-            </a:r>
-            <a:r>
-              <a:rPr lang="en-US" dirty="0"/>
-              <a:t>yellow', </a:t>
-            </a:r>
-            <a:r>
-              <a:rPr lang="en-US" dirty="0" smtClean="0"/>
-              <a:t>'</a:t>
-            </a:r>
-            <a:r>
-              <a:rPr lang="en-US" dirty="0"/>
-              <a:t>pear', </a:t>
-            </a:r>
-            <a:r>
-              <a:rPr lang="en-US" dirty="0" smtClean="0"/>
-              <a:t>'</a:t>
-            </a:r>
-            <a:r>
-              <a:rPr lang="en-US" dirty="0"/>
-              <a:t>crisp', </a:t>
-            </a:r>
-            <a:r>
-              <a:rPr lang="en-US" dirty="0" smtClean="0"/>
-              <a:t>'</a:t>
-            </a:r>
-            <a:r>
-              <a:rPr lang="en-US" dirty="0"/>
-              <a:t>honey', </a:t>
-            </a:r>
-            <a:r>
-              <a:rPr lang="en-US" dirty="0" smtClean="0"/>
-              <a:t>'</a:t>
-            </a:r>
-            <a:r>
-              <a:rPr lang="en-US" dirty="0"/>
-              <a:t>tropical', </a:t>
-            </a:r>
-            <a:r>
-              <a:rPr lang="en-US" dirty="0" smtClean="0"/>
-              <a:t>‘champagne</a:t>
-            </a:r>
-            <a:r>
-              <a:rPr lang="en-US" dirty="0"/>
-              <a:t>', </a:t>
-            </a:r>
-            <a:r>
-              <a:rPr lang="en-US" dirty="0" smtClean="0"/>
-              <a:t>'acidity’</a:t>
-            </a:r>
-          </a:p>
-          <a:p>
-            <a:pPr lvl="1">
-              <a:buFont typeface="Courier New"/>
-              <a:buChar char="o"/>
-            </a:pPr>
-            <a:endParaRPr lang="en-US" dirty="0"/>
-          </a:p>
-          <a:p>
-            <a:pPr marL="384048" lvl="1" indent="0">
-              <a:buNone/>
-            </a:pPr>
-            <a:endParaRPr lang="en-US" dirty="0" smtClean="0"/>
-          </a:p>
-        </p:txBody>
-      </p:sp>
-      <p:sp>
-        <p:nvSpPr>
-          <p:cNvPr id="3" name="Title 2"/>
-          <p:cNvSpPr>
-            <a:spLocks noGrp="1"/>
-          </p:cNvSpPr>
-          <p:nvPr>
-            <p:ph type="title"/>
-          </p:nvPr>
-        </p:nvSpPr>
-        <p:spPr/>
-        <p:txBody>
-          <a:bodyPr/>
-          <a:lstStyle/>
-          <a:p>
-            <a:r>
-              <a:rPr lang="en-US" sz="3600" dirty="0" smtClean="0">
-                <a:solidFill>
-                  <a:srgbClr val="CCFFCC"/>
-                </a:solidFill>
-              </a:rPr>
-              <a:t>Principal Component Analysis to the Rescue</a:t>
-            </a:r>
-            <a:endParaRPr lang="en-US" sz="3600" dirty="0">
-              <a:solidFill>
-                <a:srgbClr val="CCFFCC"/>
-              </a:solidFill>
-            </a:endParaRPr>
-          </a:p>
-        </p:txBody>
-      </p:sp>
+            <a:r>
+              <a:rPr lang="en-US" sz="3200" dirty="0" smtClean="0"/>
+              <a:t>Principal Component Analysis - Visually</a:t>
+            </a:r>
+            <a:endParaRPr lang="en-US" sz="3200" dirty="0"/>
+          </a:p>
+        </p:txBody>
+      </p:sp>
+      <p:pic>
+        <p:nvPicPr>
+          <p:cNvPr id="5" name="Content Placeholder 4" descr="wine_scatter.png"/>
+          <p:cNvPicPr>
+            <a:picLocks noGrp="1" noChangeAspect="1"/>
+          </p:cNvPicPr>
+          <p:nvPr>
+            <p:ph idx="1"/>
+          </p:nvPr>
+        </p:nvPicPr>
+        <p:blipFill rotWithShape="1">
+          <a:blip r:embed="rId3">
+            <a:extLst>
+              <a:ext uri="{28A0092B-C50C-407E-A947-70E740481C1C}">
+                <a14:useLocalDpi xmlns:a14="http://schemas.microsoft.com/office/drawing/2010/main" val="0"/>
+              </a:ext>
+            </a:extLst>
+          </a:blip>
+          <a:srcRect t="-137" r="-1881" b="-1117"/>
+          <a:stretch/>
+        </p:blipFill>
+        <p:spPr>
+          <a:xfrm>
+            <a:off x="681493" y="294300"/>
+            <a:ext cx="7852649" cy="5437843"/>
+          </a:xfrm>
+        </p:spPr>
+      </p:pic>
     </p:spTree>
     <p:extLst>
       <p:ext uri="{BB962C8B-B14F-4D97-AF65-F5344CB8AC3E}">
-        <p14:creationId xmlns:p14="http://schemas.microsoft.com/office/powerpoint/2010/main" val="2491948316"/>
+        <p14:creationId xmlns:p14="http://schemas.microsoft.com/office/powerpoint/2010/main" val="1271946713"/>
       </p:ext>
     </p:extLst>
   </p:cSld>
@@ -4436,66 +5344,285 @@
           <a:chExt cx="0" cy="0"/>
         </a:xfrm>
       </p:grpSpPr>
+      <p:sp>
+        <p:nvSpPr>
+          <p:cNvPr id="2" name="Content Placeholder 1"/>
+          <p:cNvSpPr>
+            <a:spLocks noGrp="1"/>
+          </p:cNvSpPr>
+          <p:nvPr>
+            <p:ph idx="1"/>
+          </p:nvPr>
+        </p:nvSpPr>
+        <p:spPr>
+          <a:xfrm>
+            <a:off x="1348277" y="1369190"/>
+            <a:ext cx="6096000" cy="2334845"/>
+          </a:xfrm>
+        </p:spPr>
+        <p:txBody>
+          <a:bodyPr>
+            <a:normAutofit/>
+          </a:bodyPr>
+          <a:lstStyle/>
+          <a:p>
+            <a:pPr marL="18288" indent="0">
+              <a:buNone/>
+            </a:pPr>
+            <a:endParaRPr lang="en-US" sz="3800" dirty="0"/>
+          </a:p>
+          <a:p>
+            <a:r>
+              <a:rPr lang="en-US" sz="2400" dirty="0" smtClean="0"/>
+              <a:t>raspberry </a:t>
+            </a:r>
+            <a:r>
+              <a:rPr lang="en-US" sz="2400" dirty="0"/>
+              <a:t>+ </a:t>
+            </a:r>
+            <a:r>
+              <a:rPr lang="en-US" sz="2400" dirty="0" smtClean="0"/>
+              <a:t>strawberry </a:t>
+            </a:r>
+            <a:r>
+              <a:rPr lang="en-US" sz="2400" dirty="0"/>
+              <a:t>+ </a:t>
+            </a:r>
+            <a:r>
+              <a:rPr lang="en-US" sz="2400" dirty="0" smtClean="0"/>
+              <a:t>pinot </a:t>
+            </a:r>
+            <a:r>
+              <a:rPr lang="en-US" sz="2400" dirty="0"/>
+              <a:t>+ </a:t>
+            </a:r>
+            <a:r>
+              <a:rPr lang="en-US" sz="2400" dirty="0" smtClean="0"/>
+              <a:t>tart </a:t>
+            </a:r>
+            <a:r>
+              <a:rPr lang="en-US" sz="2400" dirty="0"/>
+              <a:t>+ </a:t>
+            </a:r>
+            <a:r>
+              <a:rPr lang="en-US" sz="2400" dirty="0" smtClean="0"/>
+              <a:t>bright </a:t>
+            </a:r>
+            <a:r>
+              <a:rPr lang="en-US" sz="2400" dirty="0"/>
+              <a:t>+ </a:t>
+            </a:r>
+            <a:r>
+              <a:rPr lang="en-US" sz="2400" dirty="0" smtClean="0"/>
+              <a:t>cola </a:t>
+            </a:r>
+            <a:r>
+              <a:rPr lang="en-US" sz="2400" dirty="0"/>
+              <a:t>+ </a:t>
+            </a:r>
+            <a:r>
+              <a:rPr lang="en-US" sz="2400" dirty="0" smtClean="0"/>
+              <a:t>floral </a:t>
+            </a:r>
+            <a:r>
+              <a:rPr lang="en-US" sz="2400" dirty="0"/>
+              <a:t>+ </a:t>
+            </a:r>
+            <a:r>
+              <a:rPr lang="en-US" sz="2400" dirty="0" smtClean="0"/>
+              <a:t>fresh </a:t>
+            </a:r>
+            <a:r>
+              <a:rPr lang="en-US" sz="2400" dirty="0"/>
+              <a:t>+ </a:t>
+            </a:r>
+            <a:r>
+              <a:rPr lang="en-US" sz="2400" dirty="0" smtClean="0"/>
+              <a:t>cranberry </a:t>
+            </a:r>
+            <a:r>
+              <a:rPr lang="en-US" sz="2400" dirty="0"/>
+              <a:t>+ </a:t>
+            </a:r>
+            <a:r>
+              <a:rPr lang="en-US" sz="2400" dirty="0" smtClean="0"/>
+              <a:t>beautiful</a:t>
+            </a:r>
+            <a:endParaRPr lang="en-US" sz="2400" dirty="0" smtClean="0"/>
+          </a:p>
+          <a:p>
+            <a:endParaRPr lang="en-US" dirty="0"/>
+          </a:p>
+        </p:txBody>
+      </p:sp>
+      <p:sp>
+        <p:nvSpPr>
+          <p:cNvPr id="3" name="Title 2"/>
+          <p:cNvSpPr>
+            <a:spLocks noGrp="1"/>
+          </p:cNvSpPr>
+          <p:nvPr>
+            <p:ph type="title"/>
+          </p:nvPr>
+        </p:nvSpPr>
+        <p:spPr>
+          <a:xfrm>
+            <a:off x="777240" y="454790"/>
+            <a:ext cx="7543800" cy="914400"/>
+          </a:xfrm>
+        </p:spPr>
+        <p:txBody>
+          <a:bodyPr/>
+          <a:lstStyle/>
+          <a:p>
+            <a:r>
+              <a:rPr lang="en-US" sz="3600" dirty="0" smtClean="0">
+                <a:solidFill>
+                  <a:srgbClr val="CCFFCC"/>
+                </a:solidFill>
+              </a:rPr>
+              <a:t>Topic Modeling – </a:t>
+            </a:r>
+            <a:r>
+              <a:rPr lang="en-US" sz="3600" dirty="0" smtClean="0">
+                <a:solidFill>
+                  <a:srgbClr val="CCFFCC"/>
+                </a:solidFill>
+              </a:rPr>
+              <a:t>L.D.A.</a:t>
+            </a:r>
+            <a:endParaRPr lang="en-US" sz="3600" dirty="0">
+              <a:solidFill>
+                <a:srgbClr val="CCFFCC"/>
+              </a:solidFill>
+            </a:endParaRPr>
+          </a:p>
+        </p:txBody>
+      </p:sp>
       <p:pic>
         <p:nvPicPr>
-          <p:cNvPr id="4" name="Content Placeholder 3" descr="wine_scatter.png"/>
+          <p:cNvPr id="4" name="Picture 3" descr="Cranberry--208x138.jpg"/>
           <p:cNvPicPr>
-            <a:picLocks noGrp="1" noChangeAspect="1"/>
+            <a:picLocks noChangeAspect="1"/>
           </p:cNvPicPr>
-          <p:nvPr>
-            <p:ph idx="1"/>
-          </p:nvPr>
+          <p:nvPr/>
         </p:nvPicPr>
-        <p:blipFill rotWithShape="1">
-          <a:blip r:embed="rId2">
+        <p:blipFill>
+          <a:blip r:embed="rId3">
             <a:extLst>
               <a:ext uri="{28A0092B-C50C-407E-A947-70E740481C1C}">
                 <a14:useLocalDpi xmlns:a14="http://schemas.microsoft.com/office/drawing/2010/main" val="0"/>
               </a:ext>
             </a:extLst>
           </a:blip>
-          <a:srcRect/>
-          <a:stretch/>
+          <a:stretch>
+            <a:fillRect/>
+          </a:stretch>
         </p:blipFill>
         <p:spPr>
           <a:xfrm>
-            <a:off x="1002540" y="217705"/>
-            <a:ext cx="7318542" cy="5497643"/>
+            <a:off x="609601" y="3908989"/>
+            <a:ext cx="2020824" cy="1791167"/>
           </a:xfrm>
+          <a:prstGeom prst="rect">
+            <a:avLst/>
+          </a:prstGeom>
         </p:spPr>
       </p:pic>
-      <p:sp>
-        <p:nvSpPr>
-          <p:cNvPr id="3" name="Title 2"/>
-          <p:cNvSpPr>
-            <a:spLocks noGrp="1"/>
-          </p:cNvSpPr>
-          <p:nvPr>
-            <p:ph type="title"/>
-          </p:nvPr>
-        </p:nvSpPr>
+      <p:pic>
+        <p:nvPicPr>
+          <p:cNvPr id="5" name="Picture 4" descr="raspberry-04.jpg"/>
+          <p:cNvPicPr>
+            <a:picLocks noChangeAspect="1"/>
+          </p:cNvPicPr>
+          <p:nvPr/>
+        </p:nvPicPr>
+        <p:blipFill>
+          <a:blip r:embed="rId4" cstate="print">
+            <a:extLst>
+              <a:ext uri="{28A0092B-C50C-407E-A947-70E740481C1C}">
+                <a14:useLocalDpi xmlns:a14="http://schemas.microsoft.com/office/drawing/2010/main" val="0"/>
+              </a:ext>
+            </a:extLst>
+          </a:blip>
+          <a:stretch>
+            <a:fillRect/>
+          </a:stretch>
+        </p:blipFill>
         <p:spPr>
           <a:xfrm>
-            <a:off x="301625" y="5507104"/>
-            <a:ext cx="7543800" cy="914400"/>
+            <a:off x="3256886" y="3908989"/>
+            <a:ext cx="2024680" cy="1791167"/>
           </a:xfrm>
+          <a:prstGeom prst="rect">
+            <a:avLst/>
+          </a:prstGeom>
         </p:spPr>
-        <p:txBody>
-          <a:bodyPr/>
-          <a:lstStyle/>
-          <a:p>
-            <a:r>
-              <a:rPr lang="en-US" sz="3200" dirty="0" smtClean="0"/>
-              <a:t>Principal Component Analysis - Visually</a:t>
-            </a:r>
-            <a:endParaRPr lang="en-US" sz="3200" dirty="0"/>
-          </a:p>
-        </p:txBody>
-      </p:sp>
+      </p:pic>
+      <p:pic>
+        <p:nvPicPr>
+          <p:cNvPr id="6" name="Picture 5" descr="strawberry-1.jpg"/>
+          <p:cNvPicPr>
+            <a:picLocks noChangeAspect="1"/>
+          </p:cNvPicPr>
+          <p:nvPr/>
+        </p:nvPicPr>
+        <p:blipFill>
+          <a:blip r:embed="rId5">
+            <a:extLst>
+              <a:ext uri="{28A0092B-C50C-407E-A947-70E740481C1C}">
+                <a14:useLocalDpi xmlns:a14="http://schemas.microsoft.com/office/drawing/2010/main" val="0"/>
+              </a:ext>
+            </a:extLst>
+          </a:blip>
+          <a:stretch>
+            <a:fillRect/>
+          </a:stretch>
+        </p:blipFill>
+        <p:spPr>
+          <a:xfrm>
+            <a:off x="6246417" y="3903367"/>
+            <a:ext cx="2020824" cy="1796787"/>
+          </a:xfrm>
+          <a:prstGeom prst="rect">
+            <a:avLst/>
+          </a:prstGeom>
+        </p:spPr>
+      </p:pic>
+      <p:pic>
+        <p:nvPicPr>
+          <p:cNvPr id="8" name="Picture 7" descr="gensim.png"/>
+          <p:cNvPicPr>
+            <a:picLocks noChangeAspect="1"/>
+          </p:cNvPicPr>
+          <p:nvPr/>
+        </p:nvPicPr>
+        <p:blipFill>
+          <a:blip r:embed="rId6">
+            <a:extLst>
+              <a:ext uri="{28A0092B-C50C-407E-A947-70E740481C1C}">
+                <a14:useLocalDpi xmlns:a14="http://schemas.microsoft.com/office/drawing/2010/main" val="0"/>
+              </a:ext>
+            </a:extLst>
+          </a:blip>
+          <a:stretch>
+            <a:fillRect/>
+          </a:stretch>
+        </p:blipFill>
+        <p:spPr>
+          <a:xfrm>
+            <a:off x="6450173" y="752594"/>
+            <a:ext cx="1988207" cy="616596"/>
+          </a:xfrm>
+          <a:prstGeom prst="rect">
+            <a:avLst/>
+          </a:prstGeom>
+        </p:spPr>
+      </p:pic>
     </p:spTree>
     <p:extLst>
       <p:ext uri="{BB962C8B-B14F-4D97-AF65-F5344CB8AC3E}">
-        <p14:creationId xmlns:p14="http://schemas.microsoft.com/office/powerpoint/2010/main" val="1271946713"/>
+        <p14:creationId xmlns:p14="http://schemas.microsoft.com/office/powerpoint/2010/main" val="3676759357"/>
       </p:ext>
     </p:extLst>
   </p:cSld>
@@ -4531,219 +5658,17 @@
       </p:grpSpPr>
       <p:sp>
         <p:nvSpPr>
-          <p:cNvPr id="2" name="Content Placeholder 1"/>
-          <p:cNvSpPr>
-            <a:spLocks noGrp="1"/>
-          </p:cNvSpPr>
-          <p:nvPr>
-            <p:ph idx="1"/>
+          <p:cNvPr id="3" name="Title 2"/>
+          <p:cNvSpPr>
+            <a:spLocks noGrp="1"/>
+          </p:cNvSpPr>
+          <p:nvPr>
+            <p:ph type="title"/>
           </p:nvPr>
         </p:nvSpPr>
         <p:spPr>
           <a:xfrm>
-            <a:off x="1348277" y="1171064"/>
-            <a:ext cx="6096000" cy="3657599"/>
-          </a:xfrm>
-        </p:spPr>
-        <p:txBody>
-          <a:bodyPr>
-            <a:normAutofit fontScale="25000" lnSpcReduction="20000"/>
-          </a:bodyPr>
-          <a:lstStyle/>
-          <a:p>
-            <a:r>
-              <a:rPr lang="en-US" sz="5600" dirty="0" smtClean="0"/>
-              <a:t>0.014</a:t>
-            </a:r>
-            <a:r>
-              <a:rPr lang="en-US" sz="5600" dirty="0"/>
-              <a:t>*</a:t>
-            </a:r>
-            <a:r>
-              <a:rPr lang="en-US" sz="5600" dirty="0" err="1"/>
-              <a:t>syrah</a:t>
-            </a:r>
-            <a:r>
-              <a:rPr lang="en-US" sz="5600" dirty="0"/>
-              <a:t> + 0.009*heat + 0.007*night + 0.007*smoke + 0.007*blueberry + 0.006*hot + 0.005*licorice + 0.005*decant + 0.005*note + 0.005*</a:t>
-            </a:r>
-            <a:r>
-              <a:rPr lang="en-US" sz="5600" dirty="0" smtClean="0"/>
-              <a:t>raspberry</a:t>
-            </a:r>
-          </a:p>
-          <a:p>
-            <a:endParaRPr lang="en-US" sz="5600" dirty="0"/>
-          </a:p>
-          <a:p>
-            <a:r>
-              <a:rPr lang="en-US" sz="5600" dirty="0"/>
-              <a:t>0.013*cab + 0.010*cassis + 0.008*merlot + 0.008*beautiful + 0.007*decant + 0.007*cabernet + 0.007*currant + 0.006*silky + 0.006*mocha + 0.006*</a:t>
-            </a:r>
-            <a:r>
-              <a:rPr lang="en-US" sz="5600" dirty="0" smtClean="0"/>
-              <a:t>wonderful</a:t>
-            </a:r>
-          </a:p>
-          <a:p>
-            <a:endParaRPr lang="en-US" sz="5600" dirty="0"/>
-          </a:p>
-          <a:p>
-            <a:r>
-              <a:rPr lang="en-US" sz="5600" dirty="0"/>
-              <a:t>0.155*</a:t>
-            </a:r>
-            <a:r>
-              <a:rPr lang="en-US" sz="5600" dirty="0" err="1"/>
-              <a:t>zin</a:t>
-            </a:r>
-            <a:r>
-              <a:rPr lang="en-US" sz="5600" dirty="0"/>
-              <a:t> + 0.039*zinfandel + 0.018*raspberry + 0.018*</a:t>
-            </a:r>
-            <a:r>
-              <a:rPr lang="en-US" sz="5600" dirty="0" err="1"/>
-              <a:t>jammy</a:t>
-            </a:r>
-            <a:r>
-              <a:rPr lang="en-US" sz="5600" dirty="0"/>
-              <a:t> + 0.016*ridge + 0.015*</a:t>
-            </a:r>
-            <a:r>
-              <a:rPr lang="en-US" sz="5600" dirty="0" err="1"/>
-              <a:t>carlisle</a:t>
-            </a:r>
-            <a:r>
-              <a:rPr lang="en-US" sz="5600" dirty="0"/>
-              <a:t> + 0.010*bramble + 0.009*fruity + 0.008*peppery + 0.007*</a:t>
-            </a:r>
-            <a:r>
-              <a:rPr lang="en-US" sz="5600" dirty="0" smtClean="0"/>
-              <a:t>heat</a:t>
-            </a:r>
-          </a:p>
-          <a:p>
-            <a:endParaRPr lang="en-US" sz="5600" dirty="0"/>
-          </a:p>
-          <a:p>
-            <a:r>
-              <a:rPr lang="en-US" sz="5600" dirty="0"/>
-              <a:t>0.016*raspberry + 0.015*strawberry + 0.013*pinot + 0.012*tart + 0.011*bright + 0.011*cola + 0.008*floral + 0.007*fresh + 0.007*cranberry + 0.006*</a:t>
-            </a:r>
-            <a:r>
-              <a:rPr lang="en-US" sz="5600" dirty="0" smtClean="0"/>
-              <a:t>beautiful</a:t>
-            </a:r>
-          </a:p>
-          <a:p>
-            <a:endParaRPr lang="en-US" sz="5600" dirty="0"/>
-          </a:p>
-          <a:p>
-            <a:r>
-              <a:rPr lang="fr-FR" sz="5600" dirty="0"/>
-              <a:t>0.015*bordeaux + 0.012*vintage + 0.010*cassis + 0.010*</a:t>
-            </a:r>
-            <a:r>
-              <a:rPr lang="fr-FR" sz="5600" dirty="0" err="1"/>
-              <a:t>fresh</a:t>
-            </a:r>
-            <a:r>
-              <a:rPr lang="fr-FR" sz="5600" dirty="0"/>
-              <a:t> + 0.010*</a:t>
-            </a:r>
-            <a:r>
-              <a:rPr lang="fr-FR" sz="5600" dirty="0" err="1"/>
-              <a:t>tobacco</a:t>
-            </a:r>
-            <a:r>
-              <a:rPr lang="fr-FR" sz="5600" dirty="0"/>
-              <a:t> + 0.009*</a:t>
-            </a:r>
-            <a:r>
-              <a:rPr lang="fr-FR" sz="5600" dirty="0" err="1"/>
-              <a:t>cedar</a:t>
-            </a:r>
-            <a:r>
-              <a:rPr lang="fr-FR" sz="5600" dirty="0"/>
-              <a:t> + 0.009*</a:t>
-            </a:r>
-            <a:r>
-              <a:rPr lang="fr-FR" sz="5600" dirty="0" err="1"/>
-              <a:t>elegant</a:t>
-            </a:r>
-            <a:r>
-              <a:rPr lang="fr-FR" sz="5600" dirty="0"/>
-              <a:t> + 0.008*coffee + 0.007*floral + 0.007*</a:t>
-            </a:r>
-            <a:r>
-              <a:rPr lang="fr-FR" sz="5600" dirty="0" smtClean="0"/>
-              <a:t>fine</a:t>
-            </a:r>
-          </a:p>
-          <a:p>
-            <a:endParaRPr lang="fr-FR" sz="5600" dirty="0"/>
-          </a:p>
-          <a:p>
-            <a:r>
-              <a:rPr lang="it-IT" sz="5600" dirty="0"/>
-              <a:t>0.023*chianti + 0.015*sangiovese + 0.015*</a:t>
-            </a:r>
-            <a:r>
-              <a:rPr lang="it-IT" sz="5600" dirty="0" err="1"/>
-              <a:t>italian</a:t>
-            </a:r>
-            <a:r>
-              <a:rPr lang="it-IT" sz="5600" dirty="0"/>
-              <a:t> + 0.013*</a:t>
-            </a:r>
-            <a:r>
-              <a:rPr lang="it-IT" sz="5600" dirty="0" err="1"/>
-              <a:t>food</a:t>
-            </a:r>
-            <a:r>
-              <a:rPr lang="it-IT" sz="5600" dirty="0"/>
-              <a:t> + 0.010*</a:t>
-            </a:r>
-            <a:r>
-              <a:rPr lang="it-IT" sz="5600" dirty="0" err="1"/>
-              <a:t>leather</a:t>
-            </a:r>
-            <a:r>
-              <a:rPr lang="it-IT" sz="5600" dirty="0"/>
-              <a:t> + 0.009*pasta + 0.008*barbera + 0.007*dry + 0.007*</a:t>
-            </a:r>
-            <a:r>
-              <a:rPr lang="it-IT" sz="5600" dirty="0" err="1"/>
-              <a:t>tobacco</a:t>
-            </a:r>
-            <a:r>
-              <a:rPr lang="it-IT" sz="5600" dirty="0"/>
-              <a:t> + 0.007*</a:t>
-            </a:r>
-            <a:r>
-              <a:rPr lang="it-IT" sz="5600" dirty="0" err="1"/>
-              <a:t>tuscan</a:t>
-            </a:r>
-            <a:endParaRPr lang="en-US" sz="5600" dirty="0" smtClean="0"/>
-          </a:p>
-          <a:p>
-            <a:endParaRPr lang="en-US" dirty="0"/>
-          </a:p>
-        </p:txBody>
-      </p:sp>
-      <p:sp>
-        <p:nvSpPr>
-          <p:cNvPr id="3" name="Title 2"/>
-          <p:cNvSpPr>
-            <a:spLocks noGrp="1"/>
-          </p:cNvSpPr>
-          <p:nvPr>
-            <p:ph type="title"/>
-          </p:nvPr>
-        </p:nvSpPr>
-        <p:spPr>
-          <a:xfrm>
-            <a:off x="777240" y="5334000"/>
+            <a:off x="587642" y="443840"/>
             <a:ext cx="7543800" cy="914400"/>
           </a:xfrm>
         </p:spPr>
@@ -4752,14 +5677,14 @@
           <a:lstStyle/>
           <a:p>
             <a:r>
-              <a:rPr lang="en-US" sz="3600" dirty="0" smtClean="0">
+              <a:rPr lang="en-US" sz="4000" dirty="0" smtClean="0">
                 <a:solidFill>
                   <a:srgbClr val="CCFFCC"/>
                 </a:solidFill>
               </a:rPr>
-              <a:t>Topic Modeling – Red Wines</a:t>
-            </a:r>
-            <a:endParaRPr lang="en-US" sz="3600" dirty="0">
+              <a:t>Locality Sensitive Hashing</a:t>
+            </a:r>
+            <a:endParaRPr lang="en-US" sz="4000" dirty="0">
               <a:solidFill>
                 <a:srgbClr val="CCFFCC"/>
               </a:solidFill>
@@ -4767,10 +5692,156 @@
           </a:p>
         </p:txBody>
       </p:sp>
+      <p:pic>
+        <p:nvPicPr>
+          <p:cNvPr id="4" name="Picture 3" descr="lshres.jpg"/>
+          <p:cNvPicPr>
+            <a:picLocks noChangeAspect="1"/>
+          </p:cNvPicPr>
+          <p:nvPr/>
+        </p:nvPicPr>
+        <p:blipFill>
+          <a:blip r:embed="rId3">
+            <a:extLst>
+              <a:ext uri="{28A0092B-C50C-407E-A947-70E740481C1C}">
+                <a14:useLocalDpi xmlns:a14="http://schemas.microsoft.com/office/drawing/2010/main" val="0"/>
+              </a:ext>
+            </a:extLst>
+          </a:blip>
+          <a:stretch>
+            <a:fillRect/>
+          </a:stretch>
+        </p:blipFill>
+        <p:spPr>
+          <a:xfrm>
+            <a:off x="4770447" y="3819699"/>
+            <a:ext cx="3360996" cy="2596738"/>
+          </a:xfrm>
+          <a:prstGeom prst="rect">
+            <a:avLst/>
+          </a:prstGeom>
+        </p:spPr>
+      </p:pic>
+      <p:pic>
+        <p:nvPicPr>
+          <p:cNvPr id="5" name="Picture 4" descr="LHS_picm1.png"/>
+          <p:cNvPicPr>
+            <a:picLocks noChangeAspect="1"/>
+          </p:cNvPicPr>
+          <p:nvPr/>
+        </p:nvPicPr>
+        <p:blipFill>
+          <a:blip r:embed="rId4">
+            <a:extLst>
+              <a:ext uri="{28A0092B-C50C-407E-A947-70E740481C1C}">
+                <a14:useLocalDpi xmlns:a14="http://schemas.microsoft.com/office/drawing/2010/main" val="0"/>
+              </a:ext>
+            </a:extLst>
+          </a:blip>
+          <a:stretch>
+            <a:fillRect/>
+          </a:stretch>
+        </p:blipFill>
+        <p:spPr>
+          <a:xfrm>
+            <a:off x="587642" y="2320473"/>
+            <a:ext cx="3582813" cy="2326393"/>
+          </a:xfrm>
+          <a:prstGeom prst="rect">
+            <a:avLst/>
+          </a:prstGeom>
+        </p:spPr>
+      </p:pic>
+      <p:sp>
+        <p:nvSpPr>
+          <p:cNvPr id="7" name="TextBox 6"/>
+          <p:cNvSpPr txBox="1"/>
+          <p:nvPr/>
+        </p:nvSpPr>
+        <p:spPr>
+          <a:xfrm>
+            <a:off x="139396" y="5205699"/>
+            <a:ext cx="4259327" cy="664842"/>
+          </a:xfrm>
+          <a:prstGeom prst="rect">
+            <a:avLst/>
+          </a:prstGeom>
+          <a:noFill/>
+        </p:spPr>
+        <p:txBody>
+          <a:bodyPr wrap="square" rtlCol="0">
+            <a:spAutoFit/>
+          </a:bodyPr>
+          <a:lstStyle/>
+          <a:p>
+            <a:pPr marL="285750" indent="-285750">
+              <a:buFont typeface="Courier New"/>
+              <a:buChar char="o"/>
+            </a:pPr>
+            <a:r>
+              <a:rPr lang="en-US" dirty="0" smtClean="0"/>
+              <a:t>Find similar reviews based on flavor input</a:t>
+            </a:r>
+          </a:p>
+        </p:txBody>
+      </p:sp>
+      <p:sp>
+        <p:nvSpPr>
+          <p:cNvPr id="8" name="Content Placeholder 7"/>
+          <p:cNvSpPr>
+            <a:spLocks noGrp="1"/>
+          </p:cNvSpPr>
+          <p:nvPr>
+            <p:ph idx="1"/>
+          </p:nvPr>
+        </p:nvSpPr>
+        <p:spPr/>
+        <p:txBody>
+          <a:bodyPr/>
+          <a:lstStyle/>
+          <a:p>
+            <a:endParaRPr lang="en-US" dirty="0"/>
+          </a:p>
+        </p:txBody>
+      </p:sp>
+      <p:sp>
+        <p:nvSpPr>
+          <p:cNvPr id="9" name="TextBox 8"/>
+          <p:cNvSpPr txBox="1"/>
+          <p:nvPr/>
+        </p:nvSpPr>
+        <p:spPr>
+          <a:xfrm>
+            <a:off x="4770447" y="2378398"/>
+            <a:ext cx="3271238" cy="646331"/>
+          </a:xfrm>
+          <a:prstGeom prst="rect">
+            <a:avLst/>
+          </a:prstGeom>
+          <a:noFill/>
+        </p:spPr>
+        <p:txBody>
+          <a:bodyPr wrap="square" rtlCol="0">
+            <a:spAutoFit/>
+          </a:bodyPr>
+          <a:lstStyle/>
+          <a:p>
+            <a:pPr marL="285750" indent="-285750">
+              <a:buFont typeface="Courier New"/>
+              <a:buChar char="o"/>
+            </a:pPr>
+            <a:r>
+              <a:rPr lang="en-US" dirty="0" smtClean="0"/>
+              <a:t>Break down review text to 25 principal components</a:t>
+            </a:r>
+            <a:endParaRPr lang="en-US" dirty="0"/>
+          </a:p>
+        </p:txBody>
+      </p:sp>
     </p:spTree>
     <p:extLst>
       <p:ext uri="{BB962C8B-B14F-4D97-AF65-F5344CB8AC3E}">
-        <p14:creationId xmlns:p14="http://schemas.microsoft.com/office/powerpoint/2010/main" val="3676759357"/>
+        <p14:creationId xmlns:p14="http://schemas.microsoft.com/office/powerpoint/2010/main" val="273774850"/>
       </p:ext>
     </p:extLst>
   </p:cSld>
@@ -4784,398 +5855,6 @@
       </p:par>
     </p:tnLst>
   </p:timing>
-</p:sld>
-</file>
-
-<file path=ppt/slides/slide7.xml><?xml version="1.0" encoding="utf-8"?>
-<p:sld xmlns:a="http://schemas.openxmlformats.org/drawingml/2006/main" xmlns:r="http://schemas.openxmlformats.org/officeDocument/2006/relationships" xmlns:p="http://schemas.openxmlformats.org/presentationml/2006/main">
-  <p:cSld>
-    <p:spTree>
-      <p:nvGrpSpPr>
-        <p:cNvPr id="1" name=""/>
-        <p:cNvGrpSpPr/>
-        <p:nvPr/>
-      </p:nvGrpSpPr>
-      <p:grpSpPr>
-        <a:xfrm>
-          <a:off x="0" y="0"/>
-          <a:ext cx="0" cy="0"/>
-          <a:chOff x="0" y="0"/>
-          <a:chExt cx="0" cy="0"/>
-        </a:xfrm>
-      </p:grpSpPr>
-      <p:sp>
-        <p:nvSpPr>
-          <p:cNvPr id="2" name="Content Placeholder 1"/>
-          <p:cNvSpPr>
-            <a:spLocks noGrp="1"/>
-          </p:cNvSpPr>
-          <p:nvPr>
-            <p:ph idx="1"/>
-          </p:nvPr>
-        </p:nvSpPr>
-        <p:spPr>
-          <a:xfrm>
-            <a:off x="1147769" y="648779"/>
-            <a:ext cx="6096000" cy="4428560"/>
-          </a:xfrm>
-        </p:spPr>
-        <p:txBody>
-          <a:bodyPr>
-            <a:normAutofit fontScale="47500" lnSpcReduction="20000"/>
-          </a:bodyPr>
-          <a:lstStyle/>
-          <a:p>
-            <a:r>
-              <a:rPr lang="en-US" sz="2900" dirty="0"/>
-              <a:t>0.021*orange + 0.015*caramel + 0.013*apricot + 0.011*oak + 0.011*sugar + 0.011*sweetness + 0.010*dessert + 0.009*spice + 0.008*vanilla + 0.007*</a:t>
-            </a:r>
-            <a:r>
-              <a:rPr lang="en-US" sz="2900" dirty="0" smtClean="0"/>
-              <a:t>alcohol</a:t>
-            </a:r>
-          </a:p>
-          <a:p>
-            <a:endParaRPr lang="en-US" sz="2900" dirty="0"/>
-          </a:p>
-          <a:p>
-            <a:r>
-              <a:rPr lang="en-US" sz="2900" dirty="0"/>
-              <a:t>0.033*grapefruit + 0.015*summer + 0.009*stone + 0.009*</a:t>
-            </a:r>
-            <a:r>
-              <a:rPr lang="en-US" sz="2900" dirty="0" err="1"/>
-              <a:t>blanc</a:t>
-            </a:r>
-            <a:r>
-              <a:rPr lang="en-US" sz="2900" dirty="0"/>
-              <a:t> + 0.009*</a:t>
-            </a:r>
-            <a:r>
-              <a:rPr lang="en-US" sz="2900" dirty="0" err="1"/>
-              <a:t>sb</a:t>
-            </a:r>
-            <a:r>
-              <a:rPr lang="en-US" sz="2900" dirty="0"/>
-              <a:t> + 0.008*lime + 0.008*</a:t>
-            </a:r>
-            <a:r>
-              <a:rPr lang="en-US" sz="2900" dirty="0" err="1"/>
-              <a:t>qpr</a:t>
-            </a:r>
-            <a:r>
-              <a:rPr lang="en-US" sz="2900" dirty="0"/>
-              <a:t> + 0.007*grass + 0.007*previous + 0.007*</a:t>
-            </a:r>
-            <a:r>
-              <a:rPr lang="en-US" sz="2900" dirty="0" smtClean="0"/>
-              <a:t>consistent</a:t>
-            </a:r>
-          </a:p>
-          <a:p>
-            <a:endParaRPr lang="en-US" sz="2900" dirty="0"/>
-          </a:p>
-          <a:p>
-            <a:r>
-              <a:rPr lang="en-US" sz="2900" dirty="0"/>
-              <a:t>0.015*sweetness + 0.009*petrol + 0.008*lime + 0.006*young + 0.006*pineapple + 0.006*beautiful + 0.006*wonderful + 0.005*length + 0.005*orange + 0.005*</a:t>
-            </a:r>
-            <a:r>
-              <a:rPr lang="en-US" sz="2900" dirty="0" err="1" smtClean="0"/>
-              <a:t>muscadet</a:t>
-            </a:r>
-            <a:endParaRPr lang="en-US" sz="2900" dirty="0" smtClean="0"/>
-          </a:p>
-          <a:p>
-            <a:endParaRPr lang="en-US" sz="2500" dirty="0"/>
-          </a:p>
-          <a:p>
-            <a:r>
-              <a:rPr lang="en-US" sz="2900" dirty="0"/>
-              <a:t>0.025*oak + 0.015*chardonnay + 0.009*vanilla + 0.008*pineapple + 0.008*buttery + 0.008*butter + 0.008*</a:t>
-            </a:r>
-            <a:r>
-              <a:rPr lang="en-US" sz="2900" dirty="0" err="1"/>
-              <a:t>qpr</a:t>
-            </a:r>
-            <a:r>
-              <a:rPr lang="en-US" sz="2900" dirty="0"/>
-              <a:t> + 0.007*smooth + 0.007*chard + 0.007*</a:t>
-            </a:r>
-            <a:r>
-              <a:rPr lang="en-US" sz="2900" dirty="0" smtClean="0"/>
-              <a:t>style</a:t>
-            </a:r>
-          </a:p>
-          <a:p>
-            <a:endParaRPr lang="en-US" sz="2900" dirty="0"/>
-          </a:p>
-          <a:p>
-            <a:r>
-              <a:rPr lang="en-US" sz="2900" dirty="0"/>
-              <a:t>0.016*sweetness + 0.012*lime + 0.009*petrol + 0.008*stone + 0.006*</a:t>
-            </a:r>
-            <a:r>
-              <a:rPr lang="en-US" sz="2900" dirty="0" err="1"/>
-              <a:t>kabinett</a:t>
-            </a:r>
-            <a:r>
-              <a:rPr lang="en-US" sz="2900" dirty="0"/>
-              <a:t> + 0.006*slate + 0.006*beautiful + 0.006*spicy + 0.005*simple + 0.005*</a:t>
-            </a:r>
-            <a:r>
-              <a:rPr lang="en-US" sz="2900" dirty="0" err="1" smtClean="0"/>
-              <a:t>riesling</a:t>
-            </a:r>
-            <a:endParaRPr lang="en-US" sz="2900" dirty="0" smtClean="0"/>
-          </a:p>
-          <a:p>
-            <a:endParaRPr lang="en-US" sz="2900" dirty="0"/>
-          </a:p>
-          <a:p>
-            <a:r>
-              <a:rPr lang="fr-FR" sz="2900" dirty="0"/>
-              <a:t>0.046*</a:t>
-            </a:r>
-            <a:r>
-              <a:rPr lang="fr-FR" sz="2900" dirty="0" err="1"/>
-              <a:t>strawberry</a:t>
-            </a:r>
-            <a:r>
-              <a:rPr lang="fr-FR" sz="2900" dirty="0"/>
-              <a:t> + 0.020*champagne + 0.019*cherry + 0.012*orange + 0.011*rosé + 0.011*</a:t>
-            </a:r>
-            <a:r>
-              <a:rPr lang="fr-FR" sz="2900" dirty="0" err="1"/>
-              <a:t>raspberry</a:t>
-            </a:r>
-            <a:r>
-              <a:rPr lang="fr-FR" sz="2900" dirty="0"/>
-              <a:t> + 0.011*</a:t>
-            </a:r>
-            <a:r>
-              <a:rPr lang="fr-FR" sz="2900" dirty="0" err="1"/>
-              <a:t>pink</a:t>
-            </a:r>
-            <a:r>
-              <a:rPr lang="fr-FR" sz="2900" dirty="0"/>
-              <a:t> + 0.010*rose + 0.009*</a:t>
-            </a:r>
-            <a:r>
-              <a:rPr lang="fr-FR" sz="2900" dirty="0" err="1"/>
-              <a:t>beautiful</a:t>
-            </a:r>
-            <a:r>
-              <a:rPr lang="fr-FR" sz="2900" dirty="0"/>
-              <a:t> + 0.009*</a:t>
-            </a:r>
-            <a:r>
-              <a:rPr lang="fr-FR" sz="2900" dirty="0" err="1"/>
-              <a:t>berry</a:t>
-            </a:r>
-            <a:endParaRPr lang="en-US" sz="2900" dirty="0" smtClean="0"/>
-          </a:p>
-          <a:p>
-            <a:endParaRPr lang="en-US" sz="1400" dirty="0"/>
-          </a:p>
-          <a:p>
-            <a:endParaRPr lang="en-US" sz="1400" dirty="0"/>
-          </a:p>
-        </p:txBody>
-      </p:sp>
-      <p:sp>
-        <p:nvSpPr>
-          <p:cNvPr id="3" name="Title 2"/>
-          <p:cNvSpPr>
-            <a:spLocks noGrp="1"/>
-          </p:cNvSpPr>
-          <p:nvPr>
-            <p:ph type="title"/>
-          </p:nvPr>
-        </p:nvSpPr>
-        <p:spPr>
-          <a:xfrm>
-            <a:off x="777240" y="5077339"/>
-            <a:ext cx="7543800" cy="914400"/>
-          </a:xfrm>
-        </p:spPr>
-        <p:txBody>
-          <a:bodyPr/>
-          <a:lstStyle/>
-          <a:p>
-            <a:r>
-              <a:rPr lang="en-US" sz="4000" dirty="0" smtClean="0">
-                <a:solidFill>
-                  <a:srgbClr val="CCFFCC"/>
-                </a:solidFill>
-              </a:rPr>
-              <a:t>Topic Modeling – White Wines</a:t>
-            </a:r>
-            <a:endParaRPr lang="en-US" sz="4000" dirty="0">
-              <a:solidFill>
-                <a:srgbClr val="CCFFCC"/>
-              </a:solidFill>
-            </a:endParaRPr>
-          </a:p>
-        </p:txBody>
-      </p:sp>
-    </p:spTree>
-    <p:extLst>
-      <p:ext uri="{BB962C8B-B14F-4D97-AF65-F5344CB8AC3E}">
-        <p14:creationId xmlns:p14="http://schemas.microsoft.com/office/powerpoint/2010/main" val="762741857"/>
-      </p:ext>
-    </p:extLst>
-  </p:cSld>
-  <p:clrMapOvr>
-    <a:masterClrMapping/>
-  </p:clrMapOvr>
-  <p:timing>
-    <p:tnLst>
-      <p:par>
-        <p:cTn xmlns:p14="http://schemas.microsoft.com/office/powerpoint/2010/main" id="1" dur="indefinite" restart="never" nodeType="tmRoot"/>
-      </p:par>
-    </p:tnLst>
-  </p:timing>
-</p:sld>
-</file>
-
-<file path=ppt/slides/slide8.xml><?xml version="1.0" encoding="utf-8"?>
-<p:sld xmlns:a="http://schemas.openxmlformats.org/drawingml/2006/main" xmlns:r="http://schemas.openxmlformats.org/officeDocument/2006/relationships" xmlns:p="http://schemas.openxmlformats.org/presentationml/2006/main">
-  <p:cSld>
-    <p:spTree>
-      <p:nvGrpSpPr>
-        <p:cNvPr id="1" name=""/>
-        <p:cNvGrpSpPr/>
-        <p:nvPr/>
-      </p:nvGrpSpPr>
-      <p:grpSpPr>
-        <a:xfrm>
-          <a:off x="0" y="0"/>
-          <a:ext cx="0" cy="0"/>
-          <a:chOff x="0" y="0"/>
-          <a:chExt cx="0" cy="0"/>
-        </a:xfrm>
-      </p:grpSpPr>
-      <p:sp>
-        <p:nvSpPr>
-          <p:cNvPr id="2" name="Content Placeholder 1"/>
-          <p:cNvSpPr>
-            <a:spLocks noGrp="1"/>
-          </p:cNvSpPr>
-          <p:nvPr>
-            <p:ph idx="1"/>
-          </p:nvPr>
-        </p:nvSpPr>
-        <p:spPr>
-          <a:xfrm>
-            <a:off x="1114351" y="1219201"/>
-            <a:ext cx="6096000" cy="3657599"/>
-          </a:xfrm>
-        </p:spPr>
-        <p:txBody>
-          <a:bodyPr/>
-          <a:lstStyle/>
-          <a:p>
-            <a:pPr>
-              <a:buFont typeface="Courier New"/>
-              <a:buChar char="o"/>
-            </a:pPr>
-            <a:r>
-              <a:rPr lang="en-US" dirty="0" smtClean="0"/>
-              <a:t>Get various flavor input from users.</a:t>
-            </a:r>
-          </a:p>
-          <a:p>
-            <a:pPr>
-              <a:buFont typeface="Courier New"/>
-              <a:buChar char="o"/>
-            </a:pPr>
-            <a:endParaRPr lang="en-US" dirty="0"/>
-          </a:p>
-          <a:p>
-            <a:pPr>
-              <a:buFont typeface="Courier New"/>
-              <a:buChar char="o"/>
-            </a:pPr>
-            <a:r>
-              <a:rPr lang="en-US" dirty="0" smtClean="0"/>
-              <a:t>Use that text to find the similar text in our crowd-sourced review data.</a:t>
-            </a:r>
-          </a:p>
-          <a:p>
-            <a:pPr>
-              <a:buFont typeface="Courier New"/>
-              <a:buChar char="o"/>
-            </a:pPr>
-            <a:endParaRPr lang="en-US" dirty="0"/>
-          </a:p>
-          <a:p>
-            <a:pPr>
-              <a:buFont typeface="Courier New"/>
-              <a:buChar char="o"/>
-            </a:pPr>
-            <a:r>
-              <a:rPr lang="en-US" dirty="0" smtClean="0"/>
-              <a:t>Reduce review text to 25 principal components.</a:t>
-            </a:r>
-          </a:p>
-          <a:p>
-            <a:pPr>
-              <a:buFont typeface="Courier New"/>
-              <a:buChar char="o"/>
-            </a:pPr>
-            <a:endParaRPr lang="en-US" dirty="0"/>
-          </a:p>
-          <a:p>
-            <a:pPr>
-              <a:buFont typeface="Courier New"/>
-              <a:buChar char="o"/>
-            </a:pPr>
-            <a:endParaRPr lang="en-US" dirty="0"/>
-          </a:p>
-        </p:txBody>
-      </p:sp>
-      <p:sp>
-        <p:nvSpPr>
-          <p:cNvPr id="3" name="Title 2"/>
-          <p:cNvSpPr>
-            <a:spLocks noGrp="1"/>
-          </p:cNvSpPr>
-          <p:nvPr>
-            <p:ph type="title"/>
-          </p:nvPr>
-        </p:nvSpPr>
-        <p:spPr/>
-        <p:txBody>
-          <a:bodyPr/>
-          <a:lstStyle/>
-          <a:p>
-            <a:r>
-              <a:rPr lang="en-US" sz="4000" dirty="0" smtClean="0">
-                <a:solidFill>
-                  <a:srgbClr val="CCFFCC"/>
-                </a:solidFill>
-              </a:rPr>
-              <a:t>Locality Sensitive Hashing</a:t>
-            </a:r>
-            <a:endParaRPr lang="en-US" sz="4000" dirty="0">
-              <a:solidFill>
-                <a:srgbClr val="CCFFCC"/>
-              </a:solidFill>
-            </a:endParaRPr>
-          </a:p>
-        </p:txBody>
-      </p:sp>
-    </p:spTree>
-    <p:extLst>
-      <p:ext uri="{BB962C8B-B14F-4D97-AF65-F5344CB8AC3E}">
-        <p14:creationId xmlns:p14="http://schemas.microsoft.com/office/powerpoint/2010/main" val="273774850"/>
-      </p:ext>
-    </p:extLst>
-  </p:cSld>
-  <p:clrMapOvr>
-    <a:masterClrMapping/>
-  </p:clrMapOvr>
 </p:sld>
 </file>
 
@@ -5454,4 +6133,324 @@
   <a:objectDefaults/>
   <a:extraClrSchemeLst/>
 </a:theme>
+</file>
+
+<file path=ppt/theme/theme2.xml><?xml version="1.0" encoding="utf-8"?>
+<a:theme xmlns:a="http://schemas.openxmlformats.org/drawingml/2006/main" name="Office Theme">
+  <a:themeElements>
+    <a:clrScheme name="Office">
+      <a:dk1>
+        <a:sysClr val="windowText" lastClr="000000"/>
+      </a:dk1>
+      <a:lt1>
+        <a:sysClr val="window" lastClr="FFFFFF"/>
+      </a:lt1>
+      <a:dk2>
+        <a:srgbClr val="1F497D"/>
+      </a:dk2>
+      <a:lt2>
+        <a:srgbClr val="EEECE1"/>
+      </a:lt2>
+      <a:accent1>
+        <a:srgbClr val="4F81BD"/>
+      </a:accent1>
+      <a:accent2>
+        <a:srgbClr val="C0504D"/>
+      </a:accent2>
+      <a:accent3>
+        <a:srgbClr val="9BBB59"/>
+      </a:accent3>
+      <a:accent4>
+        <a:srgbClr val="8064A2"/>
+      </a:accent4>
+      <a:accent5>
+        <a:srgbClr val="4BACC6"/>
+      </a:accent5>
+      <a:accent6>
+        <a:srgbClr val="F79646"/>
+      </a:accent6>
+      <a:hlink>
+        <a:srgbClr val="0000FF"/>
+      </a:hlink>
+      <a:folHlink>
+        <a:srgbClr val="800080"/>
+      </a:folHlink>
+    </a:clrScheme>
+    <a:fontScheme name="Office">
+      <a:majorFont>
+        <a:latin typeface="Calibri"/>
+        <a:ea typeface=""/>
+        <a:cs typeface=""/>
+        <a:font script="Jpan" typeface="ＭＳ Ｐゴシック"/>
+        <a:font script="Hang" typeface="맑은 고딕"/>
+        <a:font script="Hans" typeface="宋体"/>
+        <a:font script="Hant" typeface="新細明體"/>
+        <a:font script="Arab" typeface="Times New Roman"/>
+        <a:font script="Hebr" typeface="Times New Roman"/>
+        <a:font script="Thai" typeface="Angsana New"/>
+        <a:font script="Ethi" typeface="Nyala"/>
+        <a:font script="Beng" typeface="Vrinda"/>
+        <a:font script="Gujr" typeface="Shruti"/>
+        <a:font script="Khmr" typeface="MoolBoran"/>
+        <a:font script="Knda" typeface="Tunga"/>
+        <a:font script="Guru" typeface="Raavi"/>
+        <a:font script="Cans" typeface="Euphemia"/>
+        <a:font script="Cher" typeface="Plantagenet Cherokee"/>
+        <a:font script="Yiii" typeface="Microsoft Yi Baiti"/>
+        <a:font script="Tibt" typeface="Microsoft Himalaya"/>
+        <a:font script="Thaa" typeface="MV Boli"/>
+        <a:font script="Deva" typeface="Mangal"/>
+        <a:font script="Telu" typeface="Gautami"/>
+        <a:font script="Taml" typeface="Latha"/>
+        <a:font script="Syrc" typeface="Estrangelo Edessa"/>
+        <a:font script="Orya" typeface="Kalinga"/>
+        <a:font script="Mlym" typeface="Kartika"/>
+        <a:font script="Laoo" typeface="DokChampa"/>
+        <a:font script="Sinh" typeface="Iskoola Pota"/>
+        <a:font script="Mong" typeface="Mongolian Baiti"/>
+        <a:font script="Viet" typeface="Times New Roman"/>
+        <a:font script="Uigh" typeface="Microsoft Uighur"/>
+        <a:font script="Geor" typeface="Sylfaen"/>
+      </a:majorFont>
+      <a:minorFont>
+        <a:latin typeface="Calibri"/>
+        <a:ea typeface=""/>
+        <a:cs typeface=""/>
+        <a:font script="Jpan" typeface="ＭＳ Ｐゴシック"/>
+        <a:font script="Hang" typeface="맑은 고딕"/>
+        <a:font script="Hans" typeface="宋体"/>
+        <a:font script="Hant" typeface="新細明體"/>
+        <a:font script="Arab" typeface="Arial"/>
+        <a:font script="Hebr" typeface="Arial"/>
+        <a:font script="Thai" typeface="Cordia New"/>
+        <a:font script="Ethi" typeface="Nyala"/>
+        <a:font script="Beng" typeface="Vrinda"/>
+        <a:font script="Gujr" typeface="Shruti"/>
+        <a:font script="Khmr" typeface="DaunPenh"/>
+        <a:font script="Knda" typeface="Tunga"/>
+        <a:font script="Guru" typeface="Raavi"/>
+        <a:font script="Cans" typeface="Euphemia"/>
+        <a:font script="Cher" typeface="Plantagenet Cherokee"/>
+        <a:font script="Yiii" typeface="Microsoft Yi Baiti"/>
+        <a:font script="Tibt" typeface="Microsoft Himalaya"/>
+        <a:font script="Thaa" typeface="MV Boli"/>
+        <a:font script="Deva" typeface="Mangal"/>
+        <a:font script="Telu" typeface="Gautami"/>
+        <a:font script="Taml" typeface="Latha"/>
+        <a:font script="Syrc" typeface="Estrangelo Edessa"/>
+        <a:font script="Orya" typeface="Kalinga"/>
+        <a:font script="Mlym" typeface="Kartika"/>
+        <a:font script="Laoo" typeface="DokChampa"/>
+        <a:font script="Sinh" typeface="Iskoola Pota"/>
+        <a:font script="Mong" typeface="Mongolian Baiti"/>
+        <a:font script="Viet" typeface="Arial"/>
+        <a:font script="Uigh" typeface="Microsoft Uighur"/>
+        <a:font script="Geor" typeface="Sylfaen"/>
+      </a:minorFont>
+    </a:fontScheme>
+    <a:fmtScheme name="Office">
+      <a:fillStyleLst>
+        <a:solidFill>
+          <a:schemeClr val="phClr"/>
+        </a:solidFill>
+        <a:gradFill rotWithShape="1">
+          <a:gsLst>
+            <a:gs pos="0">
+              <a:schemeClr val="phClr">
+                <a:tint val="50000"/>
+                <a:satMod val="300000"/>
+              </a:schemeClr>
+            </a:gs>
+            <a:gs pos="35000">
+              <a:schemeClr val="phClr">
+                <a:tint val="37000"/>
+                <a:satMod val="300000"/>
+              </a:schemeClr>
+            </a:gs>
+            <a:gs pos="100000">
+              <a:schemeClr val="phClr">
+                <a:tint val="15000"/>
+                <a:satMod val="350000"/>
+              </a:schemeClr>
+            </a:gs>
+          </a:gsLst>
+          <a:lin ang="16200000" scaled="1"/>
+        </a:gradFill>
+        <a:gradFill rotWithShape="1">
+          <a:gsLst>
+            <a:gs pos="0">
+              <a:schemeClr val="phClr">
+                <a:tint val="100000"/>
+                <a:shade val="100000"/>
+                <a:satMod val="130000"/>
+              </a:schemeClr>
+            </a:gs>
+            <a:gs pos="100000">
+              <a:schemeClr val="phClr">
+                <a:tint val="50000"/>
+                <a:shade val="100000"/>
+                <a:satMod val="350000"/>
+              </a:schemeClr>
+            </a:gs>
+          </a:gsLst>
+          <a:lin ang="16200000" scaled="0"/>
+        </a:gradFill>
+      </a:fillStyleLst>
+      <a:lnStyleLst>
+        <a:ln w="9525" cap="flat" cmpd="sng" algn="ctr">
+          <a:solidFill>
+            <a:schemeClr val="phClr">
+              <a:shade val="95000"/>
+              <a:satMod val="105000"/>
+            </a:schemeClr>
+          </a:solidFill>
+          <a:prstDash val="solid"/>
+        </a:ln>
+        <a:ln w="25400" cap="flat" cmpd="sng" algn="ctr">
+          <a:solidFill>
+            <a:schemeClr val="phClr"/>
+          </a:solidFill>
+          <a:prstDash val="solid"/>
+        </a:ln>
+        <a:ln w="38100" cap="flat" cmpd="sng" algn="ctr">
+          <a:solidFill>
+            <a:schemeClr val="phClr"/>
+          </a:solidFill>
+          <a:prstDash val="solid"/>
+        </a:ln>
+      </a:lnStyleLst>
+      <a:effectStyleLst>
+        <a:effectStyle>
+          <a:effectLst>
+            <a:outerShdw blurRad="40000" dist="20000" dir="5400000" rotWithShape="0">
+              <a:srgbClr val="000000">
+                <a:alpha val="38000"/>
+              </a:srgbClr>
+            </a:outerShdw>
+          </a:effectLst>
+        </a:effectStyle>
+        <a:effectStyle>
+          <a:effectLst>
+            <a:outerShdw blurRad="40000" dist="23000" dir="5400000" rotWithShape="0">
+              <a:srgbClr val="000000">
+                <a:alpha val="35000"/>
+              </a:srgbClr>
+            </a:outerShdw>
+          </a:effectLst>
+        </a:effectStyle>
+        <a:effectStyle>
+          <a:effectLst>
+            <a:outerShdw blurRad="40000" dist="23000" dir="5400000" rotWithShape="0">
+              <a:srgbClr val="000000">
+                <a:alpha val="35000"/>
+              </a:srgbClr>
+            </a:outerShdw>
+          </a:effectLst>
+          <a:scene3d>
+            <a:camera prst="orthographicFront">
+              <a:rot lat="0" lon="0" rev="0"/>
+            </a:camera>
+            <a:lightRig rig="threePt" dir="t">
+              <a:rot lat="0" lon="0" rev="1200000"/>
+            </a:lightRig>
+          </a:scene3d>
+          <a:sp3d>
+            <a:bevelT w="63500" h="25400"/>
+          </a:sp3d>
+        </a:effectStyle>
+      </a:effectStyleLst>
+      <a:bgFillStyleLst>
+        <a:solidFill>
+          <a:schemeClr val="phClr"/>
+        </a:solidFill>
+        <a:gradFill rotWithShape="1">
+          <a:gsLst>
+            <a:gs pos="0">
+              <a:schemeClr val="phClr">
+                <a:tint val="40000"/>
+                <a:satMod val="350000"/>
+              </a:schemeClr>
+            </a:gs>
+            <a:gs pos="40000">
+              <a:schemeClr val="phClr">
+                <a:tint val="45000"/>
+                <a:shade val="99000"/>
+                <a:satMod val="350000"/>
+              </a:schemeClr>
+            </a:gs>
+            <a:gs pos="100000">
+              <a:schemeClr val="phClr">
+                <a:shade val="20000"/>
+                <a:satMod val="255000"/>
+              </a:schemeClr>
+            </a:gs>
+          </a:gsLst>
+          <a:path path="circle">
+            <a:fillToRect l="50000" t="-80000" r="50000" b="180000"/>
+          </a:path>
+        </a:gradFill>
+        <a:gradFill rotWithShape="1">
+          <a:gsLst>
+            <a:gs pos="0">
+              <a:schemeClr val="phClr">
+                <a:tint val="80000"/>
+                <a:satMod val="300000"/>
+              </a:schemeClr>
+            </a:gs>
+            <a:gs pos="100000">
+              <a:schemeClr val="phClr">
+                <a:shade val="30000"/>
+                <a:satMod val="200000"/>
+              </a:schemeClr>
+            </a:gs>
+          </a:gsLst>
+          <a:path path="circle">
+            <a:fillToRect l="50000" t="50000" r="50000" b="50000"/>
+          </a:path>
+        </a:gradFill>
+      </a:bgFillStyleLst>
+    </a:fmtScheme>
+  </a:themeElements>
+  <a:objectDefaults>
+    <a:spDef>
+      <a:spPr/>
+      <a:bodyPr/>
+      <a:lstStyle/>
+      <a:style>
+        <a:lnRef idx="1">
+          <a:schemeClr val="accent1"/>
+        </a:lnRef>
+        <a:fillRef idx="3">
+          <a:schemeClr val="accent1"/>
+        </a:fillRef>
+        <a:effectRef idx="2">
+          <a:schemeClr val="accent1"/>
+        </a:effectRef>
+        <a:fontRef idx="minor">
+          <a:schemeClr val="lt1"/>
+        </a:fontRef>
+      </a:style>
+    </a:spDef>
+    <a:lnDef>
+      <a:spPr/>
+      <a:bodyPr/>
+      <a:lstStyle/>
+      <a:style>
+        <a:lnRef idx="2">
+          <a:schemeClr val="accent1"/>
+        </a:lnRef>
+        <a:fillRef idx="0">
+          <a:schemeClr val="accent1"/>
+        </a:fillRef>
+        <a:effectRef idx="1">
+          <a:schemeClr val="accent1"/>
+        </a:effectRef>
+        <a:fontRef idx="minor">
+          <a:schemeClr val="tx1"/>
+        </a:fontRef>
+      </a:style>
+    </a:lnDef>
+  </a:objectDefaults>
+  <a:extraClrSchemeLst/>
+</a:theme>
 </file>
--- a/kojak_presentation.pptx
+++ b/kojak_presentation.pptx
@@ -5,7 +5,7 @@
     <p:sldMasterId id="2147483960" r:id="rId1"/>
   </p:sldMasterIdLst>
   <p:notesMasterIdLst>
-    <p:notesMasterId r:id="rId8"/>
+    <p:notesMasterId r:id="rId9"/>
   </p:notesMasterIdLst>
   <p:sldIdLst>
     <p:sldId id="256" r:id="rId2"/>
@@ -14,6 +14,7 @@
     <p:sldId id="257" r:id="rId5"/>
     <p:sldId id="258" r:id="rId6"/>
     <p:sldId id="263" r:id="rId7"/>
+    <p:sldId id="264" r:id="rId8"/>
   </p:sldIdLst>
   <p:sldSz cx="9144000" cy="6858000" type="screen4x3"/>
   <p:notesSz cx="6858000" cy="9144000"/>
@@ -197,7 +198,7 @@
           <a:p>
             <a:fld id="{E0AAC41B-490B-1945-8228-569CEE1E4119}" type="datetimeFigureOut">
               <a:rPr lang="en-US" smtClean="0"/>
-              <a:t>6/22/15</a:t>
+              <a:t>6/24/15</a:t>
             </a:fld>
             <a:endParaRPr lang="en-US"/>
           </a:p>
@@ -531,7 +532,11 @@
             </a:r>
             <a:r>
               <a:rPr lang="en-US" b="0" baseline="0" dirty="0" smtClean="0"/>
-              <a:t>; an interactive wine search tool that uses crowd-sourced customer reviews to find wines booming with flavors you want to taste.</a:t>
+              <a:t>; an interactive wine search tool that uses crowd-sourced customer reviews to find wines booming with flavors </a:t>
+            </a:r>
+            <a:r>
+              <a:rPr lang="en-US" b="0" baseline="0" dirty="0" smtClean="0"/>
+              <a:t>you’d like to experience.</a:t>
             </a:r>
             <a:endParaRPr lang="en-US" dirty="0"/>
           </a:p>
@@ -619,13 +624,26 @@
           <a:p>
             <a:r>
               <a:rPr lang="en-US" dirty="0" smtClean="0"/>
-              <a:t>We</a:t>
+              <a:t>For this</a:t>
             </a:r>
             <a:r>
               <a:rPr lang="en-US" baseline="0" dirty="0" smtClean="0"/>
-              <a:t> have all seen some wording in wine reviews that have been, at the very least, confusing.  I wanted to create something in which you don’t need an advanced degree in wine speak in order to find wines that match what flavors you are in the mood for.  I don’t want to find a wine with one review mentioning grapefruit….I want to find a wine that has many reviews mentioning the presence of grapefruit so I can have more confidence in what I’ll be tasting. </a:t>
-            </a:r>
-            <a:endParaRPr lang="en-US" dirty="0"/>
+              <a:t> project, I</a:t>
+            </a:r>
+            <a:r>
+              <a:rPr lang="en-US" dirty="0" smtClean="0"/>
+              <a:t> wanted to explore wines and their</a:t>
+            </a:r>
+            <a:r>
+              <a:rPr lang="en-US" baseline="0" dirty="0" smtClean="0"/>
+              <a:t> reviews for a couple of reasons.  1.) I love drinking and learning about wine. 2.) Wine reviews have always fascinated me with their attention to detail and almost poetic descriptions.  I ultimately decided to focus on the descriptions of flavors in the reviews, whether it is in the aroma or taste.  I have had wines where the flavors have been intense and enjoyable and increased the experience of drinking it especially with the right kind of food.  I decided to create a tool that people can use to pick flavors they’d like to experience and return great wines that can match that experience.</a:t>
+            </a:r>
+          </a:p>
+          <a:p>
+            <a:endParaRPr lang="en-US" dirty="0" smtClean="0"/>
+          </a:p>
+          <a:p>
+            <a:endParaRPr lang="en-US" dirty="0" smtClean="0"/>
           </a:p>
         </p:txBody>
       </p:sp>
@@ -723,7 +741,39 @@
             </a:r>
             <a:r>
               <a:rPr lang="en-US" baseline="0" dirty="0" smtClean="0"/>
-              <a:t>a Mongo database of 2,000,000 reviews on 500,000 wines.  I then shrunk the dataset down to 28,000 wines each having 15 reviews or more.  Using </a:t>
+              <a:t>a Mongo </a:t>
+            </a:r>
+            <a:r>
+              <a:rPr lang="en-US" baseline="0" dirty="0" smtClean="0"/>
+              <a:t>database from a text file </a:t>
+            </a:r>
+            <a:r>
+              <a:rPr lang="en-US" baseline="0" dirty="0" smtClean="0"/>
+              <a:t>of 2,000,000 reviews on 500,000 </a:t>
+            </a:r>
+            <a:r>
+              <a:rPr lang="en-US" baseline="0" dirty="0" smtClean="0"/>
+              <a:t>wines from </a:t>
+            </a:r>
+            <a:r>
+              <a:rPr lang="en-US" baseline="0" dirty="0" err="1" smtClean="0"/>
+              <a:t>CellarTracker.com</a:t>
+            </a:r>
+            <a:r>
+              <a:rPr lang="en-US" baseline="0" dirty="0" smtClean="0"/>
+              <a:t>.  </a:t>
+            </a:r>
+            <a:r>
+              <a:rPr lang="en-US" baseline="0" dirty="0" smtClean="0"/>
+              <a:t>I then </a:t>
+            </a:r>
+            <a:r>
+              <a:rPr lang="en-US" baseline="0" dirty="0" smtClean="0"/>
+              <a:t>curated </a:t>
+            </a:r>
+            <a:r>
+              <a:rPr lang="en-US" baseline="0" dirty="0" smtClean="0"/>
+              <a:t>the dataset down to 28,000 wines each having 15 reviews or more.  Using </a:t>
             </a:r>
             <a:r>
               <a:rPr lang="en-US" baseline="0" dirty="0" err="1" smtClean="0"/>
@@ -739,7 +789,11 @@
             </a:r>
             <a:r>
               <a:rPr lang="en-US" baseline="0" dirty="0" smtClean="0"/>
-              <a:t> to weight important terms.  This resulted in a large dimensionality problem.</a:t>
+              <a:t> to weight important terms.  This </a:t>
+            </a:r>
+            <a:r>
+              <a:rPr lang="en-US" baseline="0" dirty="0" smtClean="0"/>
+              <a:t>created a dimensionality issue.</a:t>
             </a:r>
             <a:endParaRPr lang="en-US" dirty="0"/>
           </a:p>
@@ -831,7 +885,15 @@
             </a:r>
             <a:r>
               <a:rPr lang="en-US" baseline="0" dirty="0" smtClean="0"/>
-              <a:t> address this dimensionality issue, I used </a:t>
+              <a:t> </a:t>
+            </a:r>
+            <a:r>
+              <a:rPr lang="en-US" baseline="0" dirty="0" smtClean="0"/>
+              <a:t>address this issue</a:t>
+            </a:r>
+            <a:r>
+              <a:rPr lang="en-US" baseline="0" dirty="0" smtClean="0"/>
+              <a:t>, I used </a:t>
             </a:r>
             <a:r>
               <a:rPr lang="en-US" baseline="0" dirty="0" err="1" smtClean="0"/>
@@ -855,7 +917,63 @@
             </a:r>
             <a:r>
               <a:rPr lang="en-US" baseline="0" dirty="0" smtClean="0"/>
-              <a:t> to perform principal component analysis on the reviews.  I began by breaking the reviews down to their two principal components as you can see in the diagram above.  Principal component 1 on the x-axis contains words like fruit, dark, and red while principal component 2 on the y-axis contains words like citrus, lemon, and yellow.  The data can be separated linearly quite well.</a:t>
+              <a:t>, which is very similar to principal component analysis, to reduce the dimensions to feature components that contain the most variation.  I broke the reviews down to their two principal components as you can see in the diagram.</a:t>
+            </a:r>
+          </a:p>
+          <a:p>
+            <a:endParaRPr lang="en-US" baseline="0" dirty="0" smtClean="0"/>
+          </a:p>
+          <a:p>
+            <a:endParaRPr lang="en-US" baseline="0" dirty="0" smtClean="0"/>
+          </a:p>
+          <a:p>
+            <a:r>
+              <a:rPr lang="en-US" baseline="0" dirty="0" smtClean="0"/>
+              <a:t>I </a:t>
+            </a:r>
+            <a:r>
+              <a:rPr lang="en-US" baseline="0" dirty="0" smtClean="0"/>
+              <a:t>began by breaking the reviews down to their two principal components as you can see in the diagram above.  </a:t>
+            </a:r>
+            <a:r>
+              <a:rPr lang="en-US" baseline="0" dirty="0" smtClean="0"/>
+              <a:t>The x-</a:t>
+            </a:r>
+            <a:r>
+              <a:rPr lang="en-US" baseline="0" dirty="0" smtClean="0"/>
+              <a:t>axis </a:t>
+            </a:r>
+            <a:r>
+              <a:rPr lang="en-US" baseline="0" dirty="0" smtClean="0"/>
+              <a:t>has features like </a:t>
+            </a:r>
+            <a:r>
+              <a:rPr lang="en-US" baseline="0" dirty="0" smtClean="0"/>
+              <a:t>fruit, dark, and red while </a:t>
+            </a:r>
+            <a:r>
+              <a:rPr lang="en-US" baseline="0" dirty="0" smtClean="0"/>
+              <a:t>the </a:t>
+            </a:r>
+            <a:r>
+              <a:rPr lang="en-US" baseline="0" dirty="0" smtClean="0"/>
+              <a:t>y-axis </a:t>
+            </a:r>
+            <a:r>
+              <a:rPr lang="en-US" baseline="0" dirty="0" smtClean="0"/>
+              <a:t>has features like </a:t>
+            </a:r>
+            <a:r>
+              <a:rPr lang="en-US" baseline="0" dirty="0" smtClean="0"/>
+              <a:t>citrus, lemon, and yellow.  The data </a:t>
+            </a:r>
+            <a:r>
+              <a:rPr lang="en-US" baseline="0" dirty="0" smtClean="0"/>
+              <a:t>can </a:t>
+            </a:r>
+            <a:r>
+              <a:rPr lang="en-US" baseline="0" dirty="0" smtClean="0"/>
+              <a:t>be separated linearly quite well.</a:t>
             </a:r>
             <a:endParaRPr lang="en-US" dirty="0"/>
           </a:p>
@@ -950,12 +1068,12 @@
               <a:t> </a:t>
             </a:r>
             <a:r>
-              <a:rPr lang="en-US" baseline="0" dirty="0" err="1" smtClean="0"/>
-              <a:t>wss</a:t>
-            </a:r>
-            <a:r>
               <a:rPr lang="en-US" baseline="0" dirty="0" smtClean="0"/>
-              <a:t> to figure out what kind of flavors were prevalent in the review corpus..  Using </a:t>
+              <a:t>was </a:t>
+            </a:r>
+            <a:r>
+              <a:rPr lang="en-US" baseline="0" dirty="0" smtClean="0"/>
+              <a:t>to figure out what kind of flavors were prevalent in the review corpus..  Using </a:t>
             </a:r>
             <a:r>
               <a:rPr lang="en-US" dirty="0" smtClean="0"/>
@@ -975,7 +1093,19 @@
             </a:r>
             <a:r>
               <a:rPr lang="en-US" baseline="0" dirty="0" smtClean="0"/>
-              <a:t>, I ran topic modeling on the reviews to try to extract important keywords or topics for different kinds of wines to offer the user.</a:t>
+              <a:t>, I ran topic modeling on the reviews to try to </a:t>
+            </a:r>
+            <a:r>
+              <a:rPr lang="en-US" baseline="0" dirty="0" smtClean="0"/>
+              <a:t>extract common flavors for </a:t>
+            </a:r>
+            <a:r>
+              <a:rPr lang="en-US" baseline="0" dirty="0" smtClean="0"/>
+              <a:t>different kinds of wines </a:t>
+            </a:r>
+            <a:r>
+              <a:rPr lang="en-US" baseline="0" dirty="0" smtClean="0"/>
+              <a:t>as well as see which flavors tend to show up together.</a:t>
             </a:r>
             <a:endParaRPr lang="en-US" dirty="0"/>
           </a:p>
@@ -1063,7 +1193,7 @@
           <a:p>
             <a:r>
               <a:rPr lang="en-US" dirty="0" smtClean="0"/>
-              <a:t>Finally, I use </a:t>
+              <a:t>Finally, I used </a:t>
             </a:r>
             <a:r>
               <a:rPr lang="en-US" dirty="0" err="1" smtClean="0"/>
@@ -1083,7 +1213,15 @@
             </a:r>
             <a:r>
               <a:rPr lang="en-US" baseline="0" dirty="0" smtClean="0"/>
-              <a:t> sensitive hashing forest to create a space of all wine reviews.  Once I receive flavor words from the user, I am able to find the most similar wines and their reviews to the flavors mentioned.</a:t>
+              <a:t> sensitive hashing forest to create a space of all wine reviews.  Once I receive flavor </a:t>
+            </a:r>
+            <a:r>
+              <a:rPr lang="en-US" baseline="0" dirty="0" smtClean="0"/>
+              <a:t>preferences </a:t>
+            </a:r>
+            <a:r>
+              <a:rPr lang="en-US" baseline="0" dirty="0" smtClean="0"/>
+              <a:t>from the user, I am able to find the most similar wines and their reviews to the flavors mentioned.</a:t>
             </a:r>
             <a:endParaRPr lang="en-US" dirty="0"/>
           </a:p>
@@ -1362,7 +1500,7 @@
           <a:p>
             <a:fld id="{2069C06D-4ED8-42C6-905D-CA84CA1B6CBF}" type="datetime2">
               <a:rPr lang="en-US" smtClean="0"/>
-              <a:t>Monday, June 22, 15</a:t>
+              <a:t>Wednesday, June 24, 15</a:t>
             </a:fld>
             <a:endParaRPr lang="en-US" dirty="0"/>
           </a:p>
@@ -1533,7 +1671,7 @@
           <a:p>
             <a:fld id="{A56EEE0E-EDB0-4D84-86B0-50833DF22902}" type="datetime2">
               <a:rPr lang="en-US" smtClean="0"/>
-              <a:t>Monday, June 22, 15</a:t>
+              <a:t>Wednesday, June 24, 15</a:t>
             </a:fld>
             <a:endParaRPr lang="en-US"/>
           </a:p>
@@ -1709,7 +1847,7 @@
           <a:p>
             <a:fld id="{5114372C-B5AB-4C39-B273-B99224EB4DD5}" type="datetime2">
               <a:rPr lang="en-US" smtClean="0"/>
-              <a:t>Monday, June 22, 15</a:t>
+              <a:t>Wednesday, June 24, 15</a:t>
             </a:fld>
             <a:endParaRPr lang="en-US"/>
           </a:p>
@@ -1875,7 +2013,7 @@
           <a:p>
             <a:fld id="{14CB1CAA-32CD-4B55-B92A-B8F0843CACF4}" type="datetime2">
               <a:rPr lang="en-US" smtClean="0"/>
-              <a:t>Monday, June 22, 15</a:t>
+              <a:t>Wednesday, June 24, 15</a:t>
             </a:fld>
             <a:endParaRPr lang="en-US" dirty="0"/>
           </a:p>
@@ -2133,7 +2271,7 @@
           <a:p>
             <a:fld id="{3AD8CDC4-3D19-4983-B478-82F6B8E5AB66}" type="datetime2">
               <a:rPr lang="en-US" smtClean="0"/>
-              <a:t>Monday, June 22, 15</a:t>
+              <a:t>Wednesday, June 24, 15</a:t>
             </a:fld>
             <a:endParaRPr lang="en-US" dirty="0"/>
           </a:p>
@@ -2274,7 +2412,7 @@
           <a:p>
             <a:fld id="{84B82477-D5D3-4181-8C11-75D0F2433A87}" type="datetime2">
               <a:rPr lang="en-US" smtClean="0"/>
-              <a:t>Monday, June 22, 15</a:t>
+              <a:t>Wednesday, June 24, 15</a:t>
             </a:fld>
             <a:endParaRPr lang="en-US" dirty="0"/>
           </a:p>
@@ -2925,7 +3063,7 @@
           <a:p>
             <a:fld id="{213E253B-1893-4367-8BAE-DF4BC10DC578}" type="datetime2">
               <a:rPr lang="en-US" smtClean="0"/>
-              <a:t>Monday, June 22, 15</a:t>
+              <a:t>Wednesday, June 24, 15</a:t>
             </a:fld>
             <a:endParaRPr lang="en-US" dirty="0"/>
           </a:p>
@@ -3039,7 +3177,7 @@
           <a:p>
             <a:fld id="{8B62300D-25B3-4603-86C9-4CB776489F00}" type="datetime2">
               <a:rPr lang="en-US" smtClean="0"/>
-              <a:t>Monday, June 22, 15</a:t>
+              <a:t>Wednesday, June 24, 15</a:t>
             </a:fld>
             <a:endParaRPr lang="en-US" dirty="0"/>
           </a:p>
@@ -3130,7 +3268,7 @@
           <a:p>
             <a:fld id="{C6314AD9-FCC8-48B7-B85B-012A91320DFF}" type="datetime2">
               <a:rPr lang="en-US" smtClean="0"/>
-              <a:t>Monday, June 22, 15</a:t>
+              <a:t>Wednesday, June 24, 15</a:t>
             </a:fld>
             <a:endParaRPr lang="en-US" dirty="0"/>
           </a:p>
@@ -3421,7 +3559,7 @@
           <a:p>
             <a:fld id="{3182DC50-D5DB-4F94-B367-9876CD2C4012}" type="datetime2">
               <a:rPr lang="en-US" smtClean="0"/>
-              <a:t>Monday, June 22, 15</a:t>
+              <a:t>Wednesday, June 24, 15</a:t>
             </a:fld>
             <a:endParaRPr lang="en-US" dirty="0"/>
           </a:p>
@@ -3745,7 +3883,7 @@
           <a:p>
             <a:fld id="{292EB412-E790-42EA-81FE-2925D3A43D91}" type="datetime2">
               <a:rPr lang="en-US" smtClean="0"/>
-              <a:t>Monday, June 22, 15</a:t>
+              <a:t>Wednesday, June 24, 15</a:t>
             </a:fld>
             <a:endParaRPr lang="en-US" dirty="0"/>
           </a:p>
@@ -4203,7 +4341,7 @@
           <a:p>
             <a:fld id="{0B385921-A91A-409C-921C-0E0EC1E750EC}" type="datetime2">
               <a:rPr lang="en-US" smtClean="0"/>
-              <a:t>Monday, June 22, 15</a:t>
+              <a:t>Wednesday, June 24, 15</a:t>
             </a:fld>
             <a:endParaRPr lang="en-US" dirty="0"/>
           </a:p>
@@ -4793,7 +4931,6 @@
               <a:rPr lang="en-US" sz="2000" dirty="0" smtClean="0"/>
               <a:t>Have a hankering for caramel, strawberry, or butter flavors in your wine?  </a:t>
             </a:r>
-            <a:endParaRPr lang="en-US" sz="2000" dirty="0" smtClean="0"/>
           </a:p>
         </p:txBody>
       </p:sp>
@@ -4876,13 +5013,13 @@
         </p:nvSpPr>
         <p:spPr>
           <a:xfrm>
-            <a:off x="354683" y="1558298"/>
-            <a:ext cx="6096000" cy="1925725"/>
+            <a:off x="192425" y="1174121"/>
+            <a:ext cx="6857183" cy="3747669"/>
           </a:xfrm>
         </p:spPr>
         <p:txBody>
           <a:bodyPr>
-            <a:normAutofit/>
+            <a:normAutofit fontScale="70000" lnSpcReduction="20000"/>
           </a:bodyPr>
           <a:lstStyle/>
           <a:p>
@@ -4904,23 +5041,38 @@
               <a:buChar char="§"/>
             </a:pPr>
             <a:r>
-              <a:rPr lang="en-US" sz="2400" dirty="0" smtClean="0"/>
-              <a:t>Retained </a:t>
-            </a:r>
-            <a:r>
-              <a:rPr lang="en-US" sz="2400" dirty="0"/>
-              <a:t>a mossy quality, with distinct pencil shavings</a:t>
-            </a:r>
-            <a:r>
-              <a:rPr lang="en-US" sz="2400" dirty="0" smtClean="0"/>
+              <a:rPr lang="en-US" sz="2800" dirty="0"/>
+              <a:t>'Very good fruity and good finish Nose of honeysuckle. Thick on the palate, with a pretty heavy dose of oak</a:t>
+            </a:r>
+            <a:r>
+              <a:rPr lang="en-US" sz="2800" dirty="0" smtClean="0"/>
+              <a:t>.. </a:t>
+            </a:r>
+            <a:r>
+              <a:rPr lang="en-US" sz="2800" dirty="0"/>
+              <a:t>Good floral and citrus, but heavy, heavy oak masked an abundant alcoholic burn. Too overbearing. This wine tastes </a:t>
+            </a:r>
+            <a:r>
+              <a:rPr lang="en-US" sz="2800" dirty="0" err="1"/>
+              <a:t>alot</a:t>
+            </a:r>
+            <a:r>
+              <a:rPr lang="en-US" sz="2800" dirty="0"/>
+              <a:t> like Conundrum-- tropical/melon on the nose, golden in color, creamy</a:t>
+            </a:r>
+            <a:r>
+              <a:rPr lang="en-US" sz="2800" dirty="0" smtClean="0"/>
               <a:t>.</a:t>
             </a:r>
-          </a:p>
-          <a:p>
-            <a:pPr marL="18288" indent="0">
-              <a:buNone/>
-            </a:pPr>
-            <a:endParaRPr lang="en-US" dirty="0"/>
+            <a:r>
+              <a:rPr lang="en-US" sz="2800" dirty="0"/>
+              <a:t> </a:t>
+            </a:r>
+            <a:r>
+              <a:rPr lang="en-US" sz="2800" dirty="0"/>
+              <a:t>A buttery chardonnay of medium body, though tongue coating. Honeyed-peach and tropical fruit notes and toasted oak. Quite enjoyable. sweet fruit, great with ham, one of my favorite chards. Medium-to-full bodied with a healthy dose of tropical fruits, butter and oak on the palate</a:t>
+            </a:r>
+            <a:endParaRPr lang="en-US" sz="2800" dirty="0" smtClean="0"/>
           </a:p>
         </p:txBody>
       </p:sp>
@@ -4990,7 +5142,7 @@
         </p:blipFill>
         <p:spPr>
           <a:xfrm>
-            <a:off x="4312811" y="3484023"/>
+            <a:off x="5720586" y="4721127"/>
             <a:ext cx="3423414" cy="2136873"/>
           </a:xfrm>
           <a:prstGeom prst="rect">
@@ -4998,6 +5150,32 @@
           </a:prstGeom>
         </p:spPr>
       </p:pic>
+      <p:sp>
+        <p:nvSpPr>
+          <p:cNvPr id="6" name="TextBox 5"/>
+          <p:cNvSpPr txBox="1"/>
+          <p:nvPr/>
+        </p:nvSpPr>
+        <p:spPr>
+          <a:xfrm>
+            <a:off x="-1659688" y="804789"/>
+            <a:ext cx="184666" cy="369332"/>
+          </a:xfrm>
+          <a:prstGeom prst="rect">
+            <a:avLst/>
+          </a:prstGeom>
+          <a:noFill/>
+        </p:spPr>
+        <p:txBody>
+          <a:bodyPr wrap="none" rtlCol="0">
+            <a:spAutoFit/>
+          </a:bodyPr>
+          <a:lstStyle/>
+          <a:p>
+            <a:endParaRPr lang="en-US" dirty="0"/>
+          </a:p>
+        </p:txBody>
+      </p:sp>
     </p:spTree>
     <p:extLst>
       <p:ext uri="{BB962C8B-B14F-4D97-AF65-F5344CB8AC3E}">
@@ -5053,9 +5231,15 @@
         </p:spPr>
         <p:txBody>
           <a:bodyPr>
-            <a:normAutofit/>
+            <a:normAutofit lnSpcReduction="10000"/>
           </a:bodyPr>
           <a:lstStyle/>
+          <a:p>
+            <a:pPr marL="18288" indent="0">
+              <a:buNone/>
+            </a:pPr>
+            <a:endParaRPr lang="en-US" dirty="0" smtClean="0"/>
+          </a:p>
           <a:p>
             <a:pPr marL="18288" indent="0">
               <a:buNone/>
@@ -5075,15 +5259,27 @@
             </a:pPr>
             <a:r>
               <a:rPr lang="en-US" dirty="0" smtClean="0"/>
-              <a:t>Dataset </a:t>
-            </a:r>
+              <a:t>Start with 2,000,000 wine reviews</a:t>
+            </a:r>
+          </a:p>
+          <a:p>
+            <a:pPr marL="18288" indent="0">
+              <a:buNone/>
+            </a:pPr>
+            <a:endParaRPr lang="en-US" dirty="0"/>
+          </a:p>
+          <a:p>
+            <a:pPr>
+              <a:buFont typeface="Wingdings" charset="2"/>
+              <a:buChar char="§"/>
+            </a:pPr>
             <a:r>
               <a:rPr lang="en-US" dirty="0" smtClean="0"/>
-              <a:t>of 28,000 wines </a:t>
+              <a:t>End with 28,000 </a:t>
             </a:r>
             <a:r>
               <a:rPr lang="en-US" dirty="0" smtClean="0"/>
-              <a:t>that have 15 or more reviews</a:t>
+              <a:t>wines that have 15 or more reviews</a:t>
             </a:r>
           </a:p>
           <a:p>
@@ -5100,11 +5296,7 @@
             </a:pPr>
             <a:r>
               <a:rPr lang="en-US" dirty="0" smtClean="0"/>
-              <a:t>“Bag-of-words” model, </a:t>
-            </a:r>
-            <a:r>
-              <a:rPr lang="en-US" dirty="0" smtClean="0"/>
-              <a:t>TF-IDF</a:t>
+              <a:t>“Bag-of-words” model, TF-IDF</a:t>
             </a:r>
           </a:p>
           <a:p>
@@ -5123,7 +5315,6 @@
               <a:rPr lang="en-US" dirty="0" smtClean="0"/>
               <a:t>Large Dimensions</a:t>
             </a:r>
-            <a:endParaRPr lang="en-US" dirty="0" smtClean="0"/>
           </a:p>
           <a:p>
             <a:pPr marL="18288" indent="0">
@@ -5166,15 +5357,7 @@
                   <a:srgbClr val="CCFFCC"/>
                 </a:solidFill>
               </a:rPr>
-              <a:t>Where to begin</a:t>
-            </a:r>
-            <a:r>
-              <a:rPr lang="en-US" sz="4000" dirty="0" smtClean="0">
-                <a:solidFill>
-                  <a:srgbClr val="CCFFCC"/>
-                </a:solidFill>
-              </a:rPr>
-              <a:t>:  Mongo DB</a:t>
+              <a:t>Where to begin:  Mongo DB</a:t>
             </a:r>
             <a:endParaRPr lang="en-US" sz="4000" dirty="0">
               <a:solidFill>
@@ -5448,7 +5631,6 @@
               <a:rPr lang="en-US" sz="2400" dirty="0" smtClean="0"/>
               <a:t>beautiful</a:t>
             </a:r>
-            <a:endParaRPr lang="en-US" sz="2400" dirty="0" smtClean="0"/>
           </a:p>
           <a:p>
             <a:endParaRPr lang="en-US" dirty="0"/>
@@ -5481,15 +5663,7 @@
                   <a:srgbClr val="CCFFCC"/>
                 </a:solidFill>
               </a:rPr>
-              <a:t>Topic Modeling – </a:t>
-            </a:r>
-            <a:r>
-              <a:rPr lang="en-US" sz="3600" dirty="0" smtClean="0">
-                <a:solidFill>
-                  <a:srgbClr val="CCFFCC"/>
-                </a:solidFill>
-              </a:rPr>
-              <a:t>L.D.A.</a:t>
+              <a:t>Topic Modeling – L.D.A.</a:t>
             </a:r>
             <a:endParaRPr lang="en-US" sz="3600" dirty="0">
               <a:solidFill>
@@ -5787,25 +5961,6 @@
       </p:sp>
       <p:sp>
         <p:nvSpPr>
-          <p:cNvPr id="8" name="Content Placeholder 7"/>
-          <p:cNvSpPr>
-            <a:spLocks noGrp="1"/>
-          </p:cNvSpPr>
-          <p:nvPr>
-            <p:ph idx="1"/>
-          </p:nvPr>
-        </p:nvSpPr>
-        <p:spPr/>
-        <p:txBody>
-          <a:bodyPr/>
-          <a:lstStyle/>
-          <a:p>
-            <a:endParaRPr lang="en-US" dirty="0"/>
-          </a:p>
-        </p:txBody>
-      </p:sp>
-      <p:sp>
-        <p:nvSpPr>
           <p:cNvPr id="9" name="TextBox 8"/>
           <p:cNvSpPr txBox="1"/>
           <p:nvPr/>
@@ -5842,6 +5997,716 @@
     <p:extLst>
       <p:ext uri="{BB962C8B-B14F-4D97-AF65-F5344CB8AC3E}">
         <p14:creationId xmlns:p14="http://schemas.microsoft.com/office/powerpoint/2010/main" val="273774850"/>
+      </p:ext>
+    </p:extLst>
+  </p:cSld>
+  <p:clrMapOvr>
+    <a:masterClrMapping/>
+  </p:clrMapOvr>
+  <p:timing>
+    <p:tnLst>
+      <p:par>
+        <p:cTn xmlns:p14="http://schemas.microsoft.com/office/powerpoint/2010/main" id="1" dur="indefinite" restart="never" nodeType="tmRoot"/>
+      </p:par>
+    </p:tnLst>
+  </p:timing>
+</p:sld>
+</file>
+
+<file path=ppt/slides/slide7.xml><?xml version="1.0" encoding="utf-8"?>
+<p:sld xmlns:a="http://schemas.openxmlformats.org/drawingml/2006/main" xmlns:r="http://schemas.openxmlformats.org/officeDocument/2006/relationships" xmlns:p="http://schemas.openxmlformats.org/presentationml/2006/main">
+  <p:cSld>
+    <p:spTree>
+      <p:nvGrpSpPr>
+        <p:cNvPr id="1" name=""/>
+        <p:cNvGrpSpPr/>
+        <p:nvPr/>
+      </p:nvGrpSpPr>
+      <p:grpSpPr>
+        <a:xfrm>
+          <a:off x="0" y="0"/>
+          <a:ext cx="0" cy="0"/>
+          <a:chOff x="0" y="0"/>
+          <a:chExt cx="0" cy="0"/>
+        </a:xfrm>
+      </p:grpSpPr>
+      <p:sp>
+        <p:nvSpPr>
+          <p:cNvPr id="3" name="Title 2"/>
+          <p:cNvSpPr>
+            <a:spLocks noGrp="1"/>
+          </p:cNvSpPr>
+          <p:nvPr>
+            <p:ph type="title"/>
+          </p:nvPr>
+        </p:nvSpPr>
+        <p:spPr>
+          <a:xfrm>
+            <a:off x="777240" y="228601"/>
+            <a:ext cx="7543800" cy="914400"/>
+          </a:xfrm>
+        </p:spPr>
+        <p:txBody>
+          <a:bodyPr/>
+          <a:lstStyle/>
+          <a:p>
+            <a:r>
+              <a:rPr lang="en-US" dirty="0" smtClean="0"/>
+              <a:t>Contact Info.</a:t>
+            </a:r>
+            <a:endParaRPr lang="en-US" dirty="0"/>
+          </a:p>
+        </p:txBody>
+      </p:sp>
+      <p:pic>
+        <p:nvPicPr>
+          <p:cNvPr id="5" name="Picture 4" descr="gmail.jpeg"/>
+          <p:cNvPicPr>
+            <a:picLocks noChangeAspect="1"/>
+          </p:cNvPicPr>
+          <p:nvPr/>
+        </p:nvPicPr>
+        <p:blipFill>
+          <a:blip r:embed="rId2">
+            <a:extLst>
+              <a:ext uri="{28A0092B-C50C-407E-A947-70E740481C1C}">
+                <a14:useLocalDpi xmlns:a14="http://schemas.microsoft.com/office/drawing/2010/main" val="0"/>
+              </a:ext>
+            </a:extLst>
+          </a:blip>
+          <a:stretch>
+            <a:fillRect/>
+          </a:stretch>
+        </p:blipFill>
+        <p:spPr>
+          <a:xfrm>
+            <a:off x="985196" y="1826559"/>
+            <a:ext cx="1435689" cy="861413"/>
+          </a:xfrm>
+          <a:prstGeom prst="rect">
+            <a:avLst/>
+          </a:prstGeom>
+        </p:spPr>
+      </p:pic>
+      <p:pic>
+        <p:nvPicPr>
+          <p:cNvPr id="6" name="Picture 5" descr="blog.jpeg"/>
+          <p:cNvPicPr>
+            <a:picLocks noChangeAspect="1"/>
+          </p:cNvPicPr>
+          <p:nvPr/>
+        </p:nvPicPr>
+        <p:blipFill>
+          <a:blip r:embed="rId3">
+            <a:extLst>
+              <a:ext uri="{28A0092B-C50C-407E-A947-70E740481C1C}">
+                <a14:useLocalDpi xmlns:a14="http://schemas.microsoft.com/office/drawing/2010/main" val="0"/>
+              </a:ext>
+            </a:extLst>
+          </a:blip>
+          <a:stretch>
+            <a:fillRect/>
+          </a:stretch>
+        </p:blipFill>
+        <p:spPr>
+          <a:xfrm>
+            <a:off x="985197" y="2993479"/>
+            <a:ext cx="1434524" cy="1074508"/>
+          </a:xfrm>
+          <a:prstGeom prst="rect">
+            <a:avLst/>
+          </a:prstGeom>
+        </p:spPr>
+      </p:pic>
+      <p:sp>
+        <p:nvSpPr>
+          <p:cNvPr id="7" name="Content Placeholder 1"/>
+          <p:cNvSpPr txBox="1">
+            <a:spLocks/>
+          </p:cNvSpPr>
+          <p:nvPr/>
+        </p:nvSpPr>
+        <p:spPr>
+          <a:xfrm>
+            <a:off x="2867255" y="3206574"/>
+            <a:ext cx="3980340" cy="861413"/>
+          </a:xfrm>
+          <a:prstGeom prst="rect">
+            <a:avLst/>
+          </a:prstGeom>
+        </p:spPr>
+        <p:txBody>
+          <a:bodyPr vert="horz" lIns="91440" tIns="45720" rIns="91440" bIns="45720" rtlCol="0" anchor="ctr">
+            <a:normAutofit/>
+          </a:bodyPr>
+          <a:lstStyle>
+            <a:lvl1pPr marL="274320" indent="-256032" algn="l" defTabSz="914400" rtl="0" eaLnBrk="1" latinLnBrk="0" hangingPunct="1">
+              <a:spcBef>
+                <a:spcPct val="20000"/>
+              </a:spcBef>
+              <a:spcAft>
+                <a:spcPts val="0"/>
+              </a:spcAft>
+              <a:buSzPct val="60000"/>
+              <a:buFont typeface="Wingdings" pitchFamily="2" charset="2"/>
+              <a:buChar char=""/>
+              <a:defRPr sz="2100" kern="1200">
+                <a:solidFill>
+                  <a:schemeClr val="tx1"/>
+                </a:solidFill>
+                <a:effectLst>
+                  <a:outerShdw blurRad="38100" dist="38100" dir="2700000" algn="tl">
+                    <a:srgbClr val="000000">
+                      <a:alpha val="43137"/>
+                    </a:srgbClr>
+                  </a:outerShdw>
+                </a:effectLst>
+                <a:latin typeface="+mn-lt"/>
+                <a:ea typeface="+mn-ea"/>
+                <a:cs typeface="+mn-cs"/>
+              </a:defRPr>
+            </a:lvl1pPr>
+            <a:lvl2pPr marL="640080" indent="-256032" algn="l" defTabSz="914400" rtl="0" eaLnBrk="1" latinLnBrk="0" hangingPunct="1">
+              <a:spcBef>
+                <a:spcPct val="20000"/>
+              </a:spcBef>
+              <a:buSzPct val="60000"/>
+              <a:buFont typeface="Wingdings" pitchFamily="2" charset="2"/>
+              <a:buChar char=""/>
+              <a:defRPr sz="1900" kern="1200">
+                <a:solidFill>
+                  <a:schemeClr val="tx1"/>
+                </a:solidFill>
+                <a:effectLst>
+                  <a:outerShdw blurRad="38100" dist="38100" dir="2700000" algn="tl">
+                    <a:srgbClr val="000000">
+                      <a:alpha val="43137"/>
+                    </a:srgbClr>
+                  </a:outerShdw>
+                </a:effectLst>
+                <a:latin typeface="+mn-lt"/>
+                <a:ea typeface="+mn-ea"/>
+                <a:cs typeface="+mn-cs"/>
+              </a:defRPr>
+            </a:lvl2pPr>
+            <a:lvl3pPr marL="1005840" indent="-256032" algn="l" defTabSz="914400" rtl="0" eaLnBrk="1" latinLnBrk="0" hangingPunct="1">
+              <a:spcBef>
+                <a:spcPct val="20000"/>
+              </a:spcBef>
+              <a:buSzPct val="60000"/>
+              <a:buFont typeface="Wingdings" pitchFamily="2" charset="2"/>
+              <a:buChar char=""/>
+              <a:defRPr sz="1700" kern="1200">
+                <a:solidFill>
+                  <a:schemeClr val="tx1"/>
+                </a:solidFill>
+                <a:effectLst>
+                  <a:outerShdw blurRad="38100" dist="38100" dir="2700000" algn="tl">
+                    <a:srgbClr val="000000">
+                      <a:alpha val="43137"/>
+                    </a:srgbClr>
+                  </a:outerShdw>
+                </a:effectLst>
+                <a:latin typeface="+mn-lt"/>
+                <a:ea typeface="+mn-ea"/>
+                <a:cs typeface="+mn-cs"/>
+              </a:defRPr>
+            </a:lvl3pPr>
+            <a:lvl4pPr marL="1371600" indent="-256032" algn="l" defTabSz="914400" rtl="0" eaLnBrk="1" latinLnBrk="0" hangingPunct="1">
+              <a:spcBef>
+                <a:spcPct val="20000"/>
+              </a:spcBef>
+              <a:buSzPct val="60000"/>
+              <a:buFont typeface="Wingdings" pitchFamily="2" charset="2"/>
+              <a:buChar char=""/>
+              <a:defRPr sz="1600" kern="1200">
+                <a:solidFill>
+                  <a:schemeClr val="tx1"/>
+                </a:solidFill>
+                <a:effectLst>
+                  <a:outerShdw blurRad="38100" dist="38100" dir="2700000" algn="tl">
+                    <a:srgbClr val="000000">
+                      <a:alpha val="43137"/>
+                    </a:srgbClr>
+                  </a:outerShdw>
+                </a:effectLst>
+                <a:latin typeface="+mn-lt"/>
+                <a:ea typeface="+mn-ea"/>
+                <a:cs typeface="+mn-cs"/>
+              </a:defRPr>
+            </a:lvl4pPr>
+            <a:lvl5pPr marL="1645920" indent="-256032" algn="l" defTabSz="914400" rtl="0" eaLnBrk="1" latinLnBrk="0" hangingPunct="1">
+              <a:spcBef>
+                <a:spcPct val="20000"/>
+              </a:spcBef>
+              <a:buSzPct val="60000"/>
+              <a:buFont typeface="Wingdings" pitchFamily="2" charset="2"/>
+              <a:buChar char=""/>
+              <a:defRPr sz="1500" kern="1200">
+                <a:solidFill>
+                  <a:schemeClr val="tx1"/>
+                </a:solidFill>
+                <a:effectLst>
+                  <a:outerShdw blurRad="38100" dist="38100" dir="2700000" algn="tl">
+                    <a:srgbClr val="000000">
+                      <a:alpha val="43137"/>
+                    </a:srgbClr>
+                  </a:outerShdw>
+                </a:effectLst>
+                <a:latin typeface="+mn-lt"/>
+                <a:ea typeface="+mn-ea"/>
+                <a:cs typeface="+mn-cs"/>
+              </a:defRPr>
+            </a:lvl5pPr>
+            <a:lvl6pPr marL="1965960" indent="-256032" algn="l" defTabSz="914400" rtl="0" eaLnBrk="1" latinLnBrk="0" hangingPunct="1">
+              <a:spcBef>
+                <a:spcPct val="20000"/>
+              </a:spcBef>
+              <a:buSzPct val="60000"/>
+              <a:buFont typeface="Wingdings" pitchFamily="2" charset="2"/>
+              <a:buChar char=""/>
+              <a:defRPr sz="1400" kern="1200">
+                <a:solidFill>
+                  <a:schemeClr val="tx1"/>
+                </a:solidFill>
+                <a:effectLst>
+                  <a:outerShdw blurRad="38100" dist="38100" dir="2700000" algn="ctr" rotWithShape="0">
+                    <a:srgbClr val="000000">
+                      <a:alpha val="43000"/>
+                    </a:srgbClr>
+                  </a:outerShdw>
+                </a:effectLst>
+                <a:latin typeface="+mn-lt"/>
+                <a:ea typeface="+mn-ea"/>
+                <a:cs typeface="+mn-cs"/>
+              </a:defRPr>
+            </a:lvl6pPr>
+            <a:lvl7pPr marL="2240280" indent="-256032" algn="l" defTabSz="914400" rtl="0" eaLnBrk="1" latinLnBrk="0" hangingPunct="1">
+              <a:spcBef>
+                <a:spcPct val="20000"/>
+              </a:spcBef>
+              <a:buSzPct val="60000"/>
+              <a:buFont typeface="Wingdings" pitchFamily="2" charset="2"/>
+              <a:buChar char=""/>
+              <a:defRPr sz="1400" kern="1200">
+                <a:solidFill>
+                  <a:schemeClr val="tx1"/>
+                </a:solidFill>
+                <a:effectLst>
+                  <a:outerShdw blurRad="38100" dist="38100" dir="2700000" algn="ctr" rotWithShape="0">
+                    <a:srgbClr val="000000">
+                      <a:alpha val="43000"/>
+                    </a:srgbClr>
+                  </a:outerShdw>
+                </a:effectLst>
+                <a:latin typeface="+mn-lt"/>
+                <a:ea typeface="+mn-ea"/>
+                <a:cs typeface="+mn-cs"/>
+              </a:defRPr>
+            </a:lvl7pPr>
+            <a:lvl8pPr marL="2514600" indent="-256032" algn="l" defTabSz="914400" rtl="0" eaLnBrk="1" latinLnBrk="0" hangingPunct="1">
+              <a:spcBef>
+                <a:spcPct val="20000"/>
+              </a:spcBef>
+              <a:buSzPct val="60000"/>
+              <a:buFont typeface="Wingdings" pitchFamily="2" charset="2"/>
+              <a:buChar char=""/>
+              <a:defRPr sz="1400" kern="1200">
+                <a:solidFill>
+                  <a:schemeClr val="tx1"/>
+                </a:solidFill>
+                <a:effectLst>
+                  <a:outerShdw blurRad="38100" dist="38100" dir="2700000" algn="ctr" rotWithShape="0">
+                    <a:srgbClr val="000000">
+                      <a:alpha val="43000"/>
+                    </a:srgbClr>
+                  </a:outerShdw>
+                </a:effectLst>
+                <a:latin typeface="+mn-lt"/>
+                <a:ea typeface="+mn-ea"/>
+                <a:cs typeface="+mn-cs"/>
+              </a:defRPr>
+            </a:lvl8pPr>
+            <a:lvl9pPr marL="2834640" indent="-256032" algn="l" defTabSz="914400" rtl="0" eaLnBrk="1" latinLnBrk="0" hangingPunct="1">
+              <a:spcBef>
+                <a:spcPct val="20000"/>
+              </a:spcBef>
+              <a:buSzPct val="60000"/>
+              <a:buFont typeface="Wingdings" pitchFamily="2" charset="2"/>
+              <a:buChar char=""/>
+              <a:defRPr sz="1400" kern="1200">
+                <a:solidFill>
+                  <a:schemeClr val="tx1"/>
+                </a:solidFill>
+                <a:effectLst>
+                  <a:outerShdw blurRad="38100" dist="38100" dir="2700000" algn="ctr" rotWithShape="0">
+                    <a:srgbClr val="000000">
+                      <a:alpha val="43000"/>
+                    </a:srgbClr>
+                  </a:outerShdw>
+                </a:effectLst>
+                <a:latin typeface="+mn-lt"/>
+                <a:ea typeface="+mn-ea"/>
+                <a:cs typeface="+mn-cs"/>
+              </a:defRPr>
+            </a:lvl9pPr>
+          </a:lstStyle>
+          <a:p>
+            <a:pPr marL="18288" indent="0">
+              <a:buFont typeface="Wingdings" pitchFamily="2" charset="2"/>
+              <a:buNone/>
+            </a:pPr>
+            <a:r>
+              <a:rPr lang="en-US" sz="3200" dirty="0" err="1"/>
+              <a:t>j</a:t>
+            </a:r>
+            <a:r>
+              <a:rPr lang="en-US" sz="3200" dirty="0" err="1" smtClean="0"/>
+              <a:t>odzi.github.io</a:t>
+            </a:r>
+            <a:endParaRPr lang="en-US" sz="3200" dirty="0" smtClean="0"/>
+          </a:p>
+          <a:p>
+            <a:pPr marL="18288" indent="0">
+              <a:buFont typeface="Wingdings" pitchFamily="2" charset="2"/>
+              <a:buNone/>
+            </a:pPr>
+            <a:endParaRPr lang="en-US" dirty="0"/>
+          </a:p>
+        </p:txBody>
+      </p:sp>
+      <p:sp>
+        <p:nvSpPr>
+          <p:cNvPr id="8" name="Content Placeholder 1"/>
+          <p:cNvSpPr txBox="1">
+            <a:spLocks/>
+          </p:cNvSpPr>
+          <p:nvPr/>
+        </p:nvSpPr>
+        <p:spPr>
+          <a:xfrm>
+            <a:off x="2867255" y="1826559"/>
+            <a:ext cx="4839754" cy="861413"/>
+          </a:xfrm>
+          <a:prstGeom prst="rect">
+            <a:avLst/>
+          </a:prstGeom>
+        </p:spPr>
+        <p:txBody>
+          <a:bodyPr vert="horz" lIns="91440" tIns="45720" rIns="91440" bIns="45720" rtlCol="0" anchor="ctr">
+            <a:normAutofit/>
+          </a:bodyPr>
+          <a:lstStyle>
+            <a:lvl1pPr marL="274320" indent="-256032" algn="l" defTabSz="914400" rtl="0" eaLnBrk="1" latinLnBrk="0" hangingPunct="1">
+              <a:spcBef>
+                <a:spcPct val="20000"/>
+              </a:spcBef>
+              <a:spcAft>
+                <a:spcPts val="0"/>
+              </a:spcAft>
+              <a:buSzPct val="60000"/>
+              <a:buFont typeface="Wingdings" pitchFamily="2" charset="2"/>
+              <a:buChar char=""/>
+              <a:defRPr sz="2100" kern="1200">
+                <a:solidFill>
+                  <a:schemeClr val="tx1"/>
+                </a:solidFill>
+                <a:effectLst>
+                  <a:outerShdw blurRad="38100" dist="38100" dir="2700000" algn="tl">
+                    <a:srgbClr val="000000">
+                      <a:alpha val="43137"/>
+                    </a:srgbClr>
+                  </a:outerShdw>
+                </a:effectLst>
+                <a:latin typeface="+mn-lt"/>
+                <a:ea typeface="+mn-ea"/>
+                <a:cs typeface="+mn-cs"/>
+              </a:defRPr>
+            </a:lvl1pPr>
+            <a:lvl2pPr marL="640080" indent="-256032" algn="l" defTabSz="914400" rtl="0" eaLnBrk="1" latinLnBrk="0" hangingPunct="1">
+              <a:spcBef>
+                <a:spcPct val="20000"/>
+              </a:spcBef>
+              <a:buSzPct val="60000"/>
+              <a:buFont typeface="Wingdings" pitchFamily="2" charset="2"/>
+              <a:buChar char=""/>
+              <a:defRPr sz="1900" kern="1200">
+                <a:solidFill>
+                  <a:schemeClr val="tx1"/>
+                </a:solidFill>
+                <a:effectLst>
+                  <a:outerShdw blurRad="38100" dist="38100" dir="2700000" algn="tl">
+                    <a:srgbClr val="000000">
+                      <a:alpha val="43137"/>
+                    </a:srgbClr>
+                  </a:outerShdw>
+                </a:effectLst>
+                <a:latin typeface="+mn-lt"/>
+                <a:ea typeface="+mn-ea"/>
+                <a:cs typeface="+mn-cs"/>
+              </a:defRPr>
+            </a:lvl2pPr>
+            <a:lvl3pPr marL="1005840" indent="-256032" algn="l" defTabSz="914400" rtl="0" eaLnBrk="1" latinLnBrk="0" hangingPunct="1">
+              <a:spcBef>
+                <a:spcPct val="20000"/>
+              </a:spcBef>
+              <a:buSzPct val="60000"/>
+              <a:buFont typeface="Wingdings" pitchFamily="2" charset="2"/>
+              <a:buChar char=""/>
+              <a:defRPr sz="1700" kern="1200">
+                <a:solidFill>
+                  <a:schemeClr val="tx1"/>
+                </a:solidFill>
+                <a:effectLst>
+                  <a:outerShdw blurRad="38100" dist="38100" dir="2700000" algn="tl">
+                    <a:srgbClr val="000000">
+                      <a:alpha val="43137"/>
+                    </a:srgbClr>
+                  </a:outerShdw>
+                </a:effectLst>
+                <a:latin typeface="+mn-lt"/>
+                <a:ea typeface="+mn-ea"/>
+                <a:cs typeface="+mn-cs"/>
+              </a:defRPr>
+            </a:lvl3pPr>
+            <a:lvl4pPr marL="1371600" indent="-256032" algn="l" defTabSz="914400" rtl="0" eaLnBrk="1" latinLnBrk="0" hangingPunct="1">
+              <a:spcBef>
+                <a:spcPct val="20000"/>
+              </a:spcBef>
+              <a:buSzPct val="60000"/>
+              <a:buFont typeface="Wingdings" pitchFamily="2" charset="2"/>
+              <a:buChar char=""/>
+              <a:defRPr sz="1600" kern="1200">
+                <a:solidFill>
+                  <a:schemeClr val="tx1"/>
+                </a:solidFill>
+                <a:effectLst>
+                  <a:outerShdw blurRad="38100" dist="38100" dir="2700000" algn="tl">
+                    <a:srgbClr val="000000">
+                      <a:alpha val="43137"/>
+                    </a:srgbClr>
+                  </a:outerShdw>
+                </a:effectLst>
+                <a:latin typeface="+mn-lt"/>
+                <a:ea typeface="+mn-ea"/>
+                <a:cs typeface="+mn-cs"/>
+              </a:defRPr>
+            </a:lvl4pPr>
+            <a:lvl5pPr marL="1645920" indent="-256032" algn="l" defTabSz="914400" rtl="0" eaLnBrk="1" latinLnBrk="0" hangingPunct="1">
+              <a:spcBef>
+                <a:spcPct val="20000"/>
+              </a:spcBef>
+              <a:buSzPct val="60000"/>
+              <a:buFont typeface="Wingdings" pitchFamily="2" charset="2"/>
+              <a:buChar char=""/>
+              <a:defRPr sz="1500" kern="1200">
+                <a:solidFill>
+                  <a:schemeClr val="tx1"/>
+                </a:solidFill>
+                <a:effectLst>
+                  <a:outerShdw blurRad="38100" dist="38100" dir="2700000" algn="tl">
+                    <a:srgbClr val="000000">
+                      <a:alpha val="43137"/>
+                    </a:srgbClr>
+                  </a:outerShdw>
+                </a:effectLst>
+                <a:latin typeface="+mn-lt"/>
+                <a:ea typeface="+mn-ea"/>
+                <a:cs typeface="+mn-cs"/>
+              </a:defRPr>
+            </a:lvl5pPr>
+            <a:lvl6pPr marL="1965960" indent="-256032" algn="l" defTabSz="914400" rtl="0" eaLnBrk="1" latinLnBrk="0" hangingPunct="1">
+              <a:spcBef>
+                <a:spcPct val="20000"/>
+              </a:spcBef>
+              <a:buSzPct val="60000"/>
+              <a:buFont typeface="Wingdings" pitchFamily="2" charset="2"/>
+              <a:buChar char=""/>
+              <a:defRPr sz="1400" kern="1200">
+                <a:solidFill>
+                  <a:schemeClr val="tx1"/>
+                </a:solidFill>
+                <a:effectLst>
+                  <a:outerShdw blurRad="38100" dist="38100" dir="2700000" algn="ctr" rotWithShape="0">
+                    <a:srgbClr val="000000">
+                      <a:alpha val="43000"/>
+                    </a:srgbClr>
+                  </a:outerShdw>
+                </a:effectLst>
+                <a:latin typeface="+mn-lt"/>
+                <a:ea typeface="+mn-ea"/>
+                <a:cs typeface="+mn-cs"/>
+              </a:defRPr>
+            </a:lvl6pPr>
+            <a:lvl7pPr marL="2240280" indent="-256032" algn="l" defTabSz="914400" rtl="0" eaLnBrk="1" latinLnBrk="0" hangingPunct="1">
+              <a:spcBef>
+                <a:spcPct val="20000"/>
+              </a:spcBef>
+              <a:buSzPct val="60000"/>
+              <a:buFont typeface="Wingdings" pitchFamily="2" charset="2"/>
+              <a:buChar char=""/>
+              <a:defRPr sz="1400" kern="1200">
+                <a:solidFill>
+                  <a:schemeClr val="tx1"/>
+                </a:solidFill>
+                <a:effectLst>
+                  <a:outerShdw blurRad="38100" dist="38100" dir="2700000" algn="ctr" rotWithShape="0">
+                    <a:srgbClr val="000000">
+                      <a:alpha val="43000"/>
+                    </a:srgbClr>
+                  </a:outerShdw>
+                </a:effectLst>
+                <a:latin typeface="+mn-lt"/>
+                <a:ea typeface="+mn-ea"/>
+                <a:cs typeface="+mn-cs"/>
+              </a:defRPr>
+            </a:lvl7pPr>
+            <a:lvl8pPr marL="2514600" indent="-256032" algn="l" defTabSz="914400" rtl="0" eaLnBrk="1" latinLnBrk="0" hangingPunct="1">
+              <a:spcBef>
+                <a:spcPct val="20000"/>
+              </a:spcBef>
+              <a:buSzPct val="60000"/>
+              <a:buFont typeface="Wingdings" pitchFamily="2" charset="2"/>
+              <a:buChar char=""/>
+              <a:defRPr sz="1400" kern="1200">
+                <a:solidFill>
+                  <a:schemeClr val="tx1"/>
+                </a:solidFill>
+                <a:effectLst>
+                  <a:outerShdw blurRad="38100" dist="38100" dir="2700000" algn="ctr" rotWithShape="0">
+                    <a:srgbClr val="000000">
+                      <a:alpha val="43000"/>
+                    </a:srgbClr>
+                  </a:outerShdw>
+                </a:effectLst>
+                <a:latin typeface="+mn-lt"/>
+                <a:ea typeface="+mn-ea"/>
+                <a:cs typeface="+mn-cs"/>
+              </a:defRPr>
+            </a:lvl8pPr>
+            <a:lvl9pPr marL="2834640" indent="-256032" algn="l" defTabSz="914400" rtl="0" eaLnBrk="1" latinLnBrk="0" hangingPunct="1">
+              <a:spcBef>
+                <a:spcPct val="20000"/>
+              </a:spcBef>
+              <a:buSzPct val="60000"/>
+              <a:buFont typeface="Wingdings" pitchFamily="2" charset="2"/>
+              <a:buChar char=""/>
+              <a:defRPr sz="1400" kern="1200">
+                <a:solidFill>
+                  <a:schemeClr val="tx1"/>
+                </a:solidFill>
+                <a:effectLst>
+                  <a:outerShdw blurRad="38100" dist="38100" dir="2700000" algn="ctr" rotWithShape="0">
+                    <a:srgbClr val="000000">
+                      <a:alpha val="43000"/>
+                    </a:srgbClr>
+                  </a:outerShdw>
+                </a:effectLst>
+                <a:latin typeface="+mn-lt"/>
+                <a:ea typeface="+mn-ea"/>
+                <a:cs typeface="+mn-cs"/>
+              </a:defRPr>
+            </a:lvl9pPr>
+          </a:lstStyle>
+          <a:p>
+            <a:pPr marL="18288" indent="0">
+              <a:buFont typeface="Wingdings" pitchFamily="2" charset="2"/>
+              <a:buNone/>
+            </a:pPr>
+            <a:r>
+              <a:rPr lang="en-US" sz="3200" dirty="0" err="1" smtClean="0"/>
+              <a:t>joedziados@gmail.com</a:t>
+            </a:r>
+            <a:endParaRPr lang="en-US" sz="3200" dirty="0" smtClean="0"/>
+          </a:p>
+          <a:p>
+            <a:pPr marL="18288" indent="0">
+              <a:buFont typeface="Wingdings" pitchFamily="2" charset="2"/>
+              <a:buNone/>
+            </a:pPr>
+            <a:endParaRPr lang="en-US" dirty="0"/>
+          </a:p>
+        </p:txBody>
+      </p:sp>
+      <p:pic>
+        <p:nvPicPr>
+          <p:cNvPr id="10" name="Picture 9" descr="github.png"/>
+          <p:cNvPicPr>
+            <a:picLocks noChangeAspect="1"/>
+          </p:cNvPicPr>
+          <p:nvPr/>
+        </p:nvPicPr>
+        <p:blipFill>
+          <a:blip r:embed="rId4">
+            <a:extLst>
+              <a:ext uri="{28A0092B-C50C-407E-A947-70E740481C1C}">
+                <a14:useLocalDpi xmlns:a14="http://schemas.microsoft.com/office/drawing/2010/main" val="0"/>
+              </a:ext>
+            </a:extLst>
+          </a:blip>
+          <a:stretch>
+            <a:fillRect/>
+          </a:stretch>
+        </p:blipFill>
+        <p:spPr>
+          <a:xfrm>
+            <a:off x="985196" y="4539972"/>
+            <a:ext cx="1435635" cy="948579"/>
+          </a:xfrm>
+          <a:prstGeom prst="rect">
+            <a:avLst/>
+          </a:prstGeom>
+        </p:spPr>
+      </p:pic>
+      <p:sp>
+        <p:nvSpPr>
+          <p:cNvPr id="11" name="Content Placeholder 1"/>
+          <p:cNvSpPr>
+            <a:spLocks noGrp="1"/>
+          </p:cNvSpPr>
+          <p:nvPr>
+            <p:ph idx="1"/>
+          </p:nvPr>
+        </p:nvSpPr>
+        <p:spPr>
+          <a:xfrm>
+            <a:off x="2867255" y="4647126"/>
+            <a:ext cx="3980340" cy="861413"/>
+          </a:xfrm>
+        </p:spPr>
+        <p:txBody>
+          <a:bodyPr/>
+          <a:lstStyle/>
+          <a:p>
+            <a:pPr marL="18288" indent="0">
+              <a:buNone/>
+            </a:pPr>
+            <a:r>
+              <a:rPr lang="en-US" sz="2800" dirty="0" err="1" smtClean="0"/>
+              <a:t>github.com</a:t>
+            </a:r>
+            <a:r>
+              <a:rPr lang="en-US" sz="2800" dirty="0" smtClean="0"/>
+              <a:t>/</a:t>
+            </a:r>
+            <a:r>
+              <a:rPr lang="en-US" sz="2800" dirty="0" err="1" smtClean="0"/>
+              <a:t>jodzi</a:t>
+            </a:r>
+            <a:endParaRPr lang="en-US" sz="2800" dirty="0" smtClean="0"/>
+          </a:p>
+          <a:p>
+            <a:pPr marL="18288" indent="0">
+              <a:buNone/>
+            </a:pPr>
+            <a:endParaRPr lang="en-US" dirty="0"/>
+          </a:p>
+        </p:txBody>
+      </p:sp>
+    </p:spTree>
+    <p:extLst>
+      <p:ext uri="{BB962C8B-B14F-4D97-AF65-F5344CB8AC3E}">
+        <p14:creationId xmlns:p14="http://schemas.microsoft.com/office/powerpoint/2010/main" val="1031597552"/>
       </p:ext>
     </p:extLst>
   </p:cSld>
